--- a/cambridge/slides/img/des_flu_md.pptx
+++ b/cambridge/slides/img/des_flu_md.pptx
@@ -14,6 +14,8 @@
     <p:sldId id="262" r:id="rId8"/>
     <p:sldId id="263" r:id="rId9"/>
     <p:sldId id="264" r:id="rId10"/>
+    <p:sldId id="265" r:id="rId11"/>
+    <p:sldId id="266" r:id="rId12"/>
   </p:sldIdLst>
   <p:sldSz cx="9144000" cy="6858000" type="screen4x3"/>
   <p:notesSz cx="6858000" cy="9144000"/>
@@ -296,7 +298,7 @@
           <a:p>
             <a:fld id="{26970932-D4B3-46F2-8D59-639FACE12A14}" type="datetimeFigureOut">
               <a:rPr lang="de-CH" smtClean="0"/>
-              <a:t>12.08.2015</a:t>
+              <a:t>13.08.2015</a:t>
             </a:fld>
             <a:endParaRPr lang="de-CH"/>
           </a:p>
@@ -466,7 +468,7 @@
           <a:p>
             <a:fld id="{26970932-D4B3-46F2-8D59-639FACE12A14}" type="datetimeFigureOut">
               <a:rPr lang="de-CH" smtClean="0"/>
-              <a:t>12.08.2015</a:t>
+              <a:t>13.08.2015</a:t>
             </a:fld>
             <a:endParaRPr lang="de-CH"/>
           </a:p>
@@ -646,7 +648,7 @@
           <a:p>
             <a:fld id="{26970932-D4B3-46F2-8D59-639FACE12A14}" type="datetimeFigureOut">
               <a:rPr lang="de-CH" smtClean="0"/>
-              <a:t>12.08.2015</a:t>
+              <a:t>13.08.2015</a:t>
             </a:fld>
             <a:endParaRPr lang="de-CH"/>
           </a:p>
@@ -816,7 +818,7 @@
           <a:p>
             <a:fld id="{26970932-D4B3-46F2-8D59-639FACE12A14}" type="datetimeFigureOut">
               <a:rPr lang="de-CH" smtClean="0"/>
-              <a:t>12.08.2015</a:t>
+              <a:t>13.08.2015</a:t>
             </a:fld>
             <a:endParaRPr lang="de-CH"/>
           </a:p>
@@ -1062,7 +1064,7 @@
           <a:p>
             <a:fld id="{26970932-D4B3-46F2-8D59-639FACE12A14}" type="datetimeFigureOut">
               <a:rPr lang="de-CH" smtClean="0"/>
-              <a:t>12.08.2015</a:t>
+              <a:t>13.08.2015</a:t>
             </a:fld>
             <a:endParaRPr lang="de-CH"/>
           </a:p>
@@ -1350,7 +1352,7 @@
           <a:p>
             <a:fld id="{26970932-D4B3-46F2-8D59-639FACE12A14}" type="datetimeFigureOut">
               <a:rPr lang="de-CH" smtClean="0"/>
-              <a:t>12.08.2015</a:t>
+              <a:t>13.08.2015</a:t>
             </a:fld>
             <a:endParaRPr lang="de-CH"/>
           </a:p>
@@ -1772,7 +1774,7 @@
           <a:p>
             <a:fld id="{26970932-D4B3-46F2-8D59-639FACE12A14}" type="datetimeFigureOut">
               <a:rPr lang="de-CH" smtClean="0"/>
-              <a:t>12.08.2015</a:t>
+              <a:t>13.08.2015</a:t>
             </a:fld>
             <a:endParaRPr lang="de-CH"/>
           </a:p>
@@ -1890,7 +1892,7 @@
           <a:p>
             <a:fld id="{26970932-D4B3-46F2-8D59-639FACE12A14}" type="datetimeFigureOut">
               <a:rPr lang="de-CH" smtClean="0"/>
-              <a:t>12.08.2015</a:t>
+              <a:t>13.08.2015</a:t>
             </a:fld>
             <a:endParaRPr lang="de-CH"/>
           </a:p>
@@ -1985,7 +1987,7 @@
           <a:p>
             <a:fld id="{26970932-D4B3-46F2-8D59-639FACE12A14}" type="datetimeFigureOut">
               <a:rPr lang="de-CH" smtClean="0"/>
-              <a:t>12.08.2015</a:t>
+              <a:t>13.08.2015</a:t>
             </a:fld>
             <a:endParaRPr lang="de-CH"/>
           </a:p>
@@ -2262,7 +2264,7 @@
           <a:p>
             <a:fld id="{26970932-D4B3-46F2-8D59-639FACE12A14}" type="datetimeFigureOut">
               <a:rPr lang="de-CH" smtClean="0"/>
-              <a:t>12.08.2015</a:t>
+              <a:t>13.08.2015</a:t>
             </a:fld>
             <a:endParaRPr lang="de-CH"/>
           </a:p>
@@ -2515,7 +2517,7 @@
           <a:p>
             <a:fld id="{26970932-D4B3-46F2-8D59-639FACE12A14}" type="datetimeFigureOut">
               <a:rPr lang="de-CH" smtClean="0"/>
-              <a:t>12.08.2015</a:t>
+              <a:t>13.08.2015</a:t>
             </a:fld>
             <a:endParaRPr lang="de-CH"/>
           </a:p>
@@ -2728,7 +2730,7 @@
           <a:p>
             <a:fld id="{26970932-D4B3-46F2-8D59-639FACE12A14}" type="datetimeFigureOut">
               <a:rPr lang="de-CH" smtClean="0"/>
-              <a:t>12.08.2015</a:t>
+              <a:t>13.08.2015</a:t>
             </a:fld>
             <a:endParaRPr lang="de-CH"/>
           </a:p>
@@ -4140,6 +4142,1958 @@
     <p:extLst>
       <p:ext uri="{BB962C8B-B14F-4D97-AF65-F5344CB8AC3E}">
         <p14:creationId xmlns:p14="http://schemas.microsoft.com/office/powerpoint/2010/main" val="1643816562"/>
+      </p:ext>
+    </p:extLst>
+  </p:cSld>
+  <p:clrMapOvr>
+    <a:masterClrMapping/>
+  </p:clrMapOvr>
+</p:sld>
+</file>
+
+<file path=ppt/slides/slide10.xml><?xml version="1.0" encoding="utf-8"?>
+<p:sld xmlns:a="http://schemas.openxmlformats.org/drawingml/2006/main" xmlns:r="http://schemas.openxmlformats.org/officeDocument/2006/relationships" xmlns:p="http://schemas.openxmlformats.org/presentationml/2006/main">
+  <p:cSld>
+    <p:spTree>
+      <p:nvGrpSpPr>
+        <p:cNvPr id="1" name=""/>
+        <p:cNvGrpSpPr/>
+        <p:nvPr/>
+      </p:nvGrpSpPr>
+      <p:grpSpPr>
+        <a:xfrm>
+          <a:off x="0" y="0"/>
+          <a:ext cx="0" cy="0"/>
+          <a:chOff x="0" y="0"/>
+          <a:chExt cx="0" cy="0"/>
+        </a:xfrm>
+      </p:grpSpPr>
+      <p:cxnSp>
+        <p:nvCxnSpPr>
+          <p:cNvPr id="5" name="Straight Connector 4"/>
+          <p:cNvCxnSpPr/>
+          <p:nvPr/>
+        </p:nvCxnSpPr>
+        <p:spPr>
+          <a:xfrm>
+            <a:off x="525020" y="3429000"/>
+            <a:ext cx="7848872" cy="0"/>
+          </a:xfrm>
+          <a:prstGeom prst="line">
+            <a:avLst/>
+          </a:prstGeom>
+          <a:ln w="38100">
+            <a:solidFill>
+              <a:schemeClr val="bg1">
+                <a:lumMod val="65000"/>
+              </a:schemeClr>
+            </a:solidFill>
+            <a:prstDash val="sysDash"/>
+          </a:ln>
+        </p:spPr>
+        <p:style>
+          <a:lnRef idx="1">
+            <a:schemeClr val="accent1"/>
+          </a:lnRef>
+          <a:fillRef idx="0">
+            <a:schemeClr val="accent1"/>
+          </a:fillRef>
+          <a:effectRef idx="0">
+            <a:schemeClr val="accent1"/>
+          </a:effectRef>
+          <a:fontRef idx="minor">
+            <a:schemeClr val="tx1"/>
+          </a:fontRef>
+        </p:style>
+      </p:cxnSp>
+      <p:cxnSp>
+        <p:nvCxnSpPr>
+          <p:cNvPr id="19" name="Straight Arrow Connector 18"/>
+          <p:cNvCxnSpPr/>
+          <p:nvPr/>
+        </p:nvCxnSpPr>
+        <p:spPr>
+          <a:xfrm flipV="1">
+            <a:off x="2107104" y="1570514"/>
+            <a:ext cx="1067056" cy="2"/>
+          </a:xfrm>
+          <a:prstGeom prst="straightConnector1">
+            <a:avLst/>
+          </a:prstGeom>
+          <a:ln w="50800">
+            <a:solidFill>
+              <a:schemeClr val="tx1"/>
+            </a:solidFill>
+            <a:tailEnd type="triangle"/>
+          </a:ln>
+        </p:spPr>
+        <p:style>
+          <a:lnRef idx="1">
+            <a:schemeClr val="accent1"/>
+          </a:lnRef>
+          <a:fillRef idx="0">
+            <a:schemeClr val="accent1"/>
+          </a:fillRef>
+          <a:effectRef idx="0">
+            <a:schemeClr val="accent1"/>
+          </a:effectRef>
+          <a:fontRef idx="minor">
+            <a:schemeClr val="tx1"/>
+          </a:fontRef>
+        </p:style>
+      </p:cxnSp>
+      <p:pic>
+        <p:nvPicPr>
+          <p:cNvPr id="13" name="Picture 9"/>
+          <p:cNvPicPr>
+            <a:picLocks noChangeAspect="1" noChangeArrowheads="1"/>
+          </p:cNvPicPr>
+          <p:nvPr/>
+        </p:nvPicPr>
+        <p:blipFill>
+          <a:blip r:embed="rId2" cstate="print">
+            <a:extLst>
+              <a:ext uri="{28A0092B-C50C-407E-A947-70E740481C1C}">
+                <a14:useLocalDpi xmlns:a14="http://schemas.microsoft.com/office/drawing/2010/main" val="0"/>
+              </a:ext>
+            </a:extLst>
+          </a:blip>
+          <a:srcRect/>
+          <a:stretch>
+            <a:fillRect/>
+          </a:stretch>
+        </p:blipFill>
+        <p:spPr bwMode="auto">
+          <a:xfrm>
+            <a:off x="1411806" y="520059"/>
+            <a:ext cx="418755" cy="617946"/>
+          </a:xfrm>
+          <a:prstGeom prst="rect">
+            <a:avLst/>
+          </a:prstGeom>
+          <a:noFill/>
+          <a:ln>
+            <a:noFill/>
+          </a:ln>
+          <a:extLst>
+            <a:ext uri="{909E8E84-426E-40DD-AFC4-6F175D3DCCD1}">
+              <a14:hiddenFill xmlns:a14="http://schemas.microsoft.com/office/drawing/2010/main">
+                <a:solidFill>
+                  <a:schemeClr val="accent1"/>
+                </a:solidFill>
+              </a14:hiddenFill>
+            </a:ext>
+            <a:ext uri="{91240B29-F687-4F45-9708-019B960494DF}">
+              <a14:hiddenLine xmlns:a14="http://schemas.microsoft.com/office/drawing/2010/main" w="9525">
+                <a:solidFill>
+                  <a:schemeClr val="tx1"/>
+                </a:solidFill>
+                <a:miter lim="800000"/>
+                <a:headEnd/>
+                <a:tailEnd/>
+              </a14:hiddenLine>
+            </a:ext>
+          </a:extLst>
+        </p:spPr>
+      </p:pic>
+      <p:pic>
+        <p:nvPicPr>
+          <p:cNvPr id="14" name="Picture 11" descr="http://a.rgbimg.com/cache1n8lEo/users/j/ja/jazza/300/2djsV4n.jpg"/>
+          <p:cNvPicPr>
+            <a:picLocks noChangeAspect="1" noChangeArrowheads="1"/>
+          </p:cNvPicPr>
+          <p:nvPr/>
+        </p:nvPicPr>
+        <p:blipFill>
+          <a:blip r:embed="rId3" cstate="print">
+            <a:extLst>
+              <a:ext uri="{28A0092B-C50C-407E-A947-70E740481C1C}">
+                <a14:useLocalDpi xmlns:a14="http://schemas.microsoft.com/office/drawing/2010/main" val="0"/>
+              </a:ext>
+            </a:extLst>
+          </a:blip>
+          <a:srcRect/>
+          <a:stretch>
+            <a:fillRect/>
+          </a:stretch>
+        </p:blipFill>
+        <p:spPr bwMode="auto">
+          <a:xfrm>
+            <a:off x="1272691" y="1167432"/>
+            <a:ext cx="669314" cy="499755"/>
+          </a:xfrm>
+          <a:prstGeom prst="rect">
+            <a:avLst/>
+          </a:prstGeom>
+          <a:noFill/>
+          <a:extLst>
+            <a:ext uri="{909E8E84-426E-40DD-AFC4-6F175D3DCCD1}">
+              <a14:hiddenFill xmlns:a14="http://schemas.microsoft.com/office/drawing/2010/main">
+                <a:solidFill>
+                  <a:srgbClr val="FFFFFF"/>
+                </a:solidFill>
+              </a14:hiddenFill>
+            </a:ext>
+          </a:extLst>
+        </p:spPr>
+      </p:pic>
+      <p:pic>
+        <p:nvPicPr>
+          <p:cNvPr id="16" name="Picture 13" descr="https://c2.staticflickr.com/4/3676/11523219954_31c7d2bf76_b.jpg"/>
+          <p:cNvPicPr>
+            <a:picLocks noChangeAspect="1" noChangeArrowheads="1"/>
+          </p:cNvPicPr>
+          <p:nvPr/>
+        </p:nvPicPr>
+        <p:blipFill>
+          <a:blip r:embed="rId4" cstate="print">
+            <a:extLst>
+              <a:ext uri="{28A0092B-C50C-407E-A947-70E740481C1C}">
+                <a14:useLocalDpi xmlns:a14="http://schemas.microsoft.com/office/drawing/2010/main" val="0"/>
+              </a:ext>
+            </a:extLst>
+          </a:blip>
+          <a:srcRect/>
+          <a:stretch>
+            <a:fillRect/>
+          </a:stretch>
+        </p:blipFill>
+        <p:spPr bwMode="auto">
+          <a:xfrm>
+            <a:off x="1272691" y="1700721"/>
+            <a:ext cx="696986" cy="465565"/>
+          </a:xfrm>
+          <a:prstGeom prst="rect">
+            <a:avLst/>
+          </a:prstGeom>
+          <a:noFill/>
+          <a:extLst>
+            <a:ext uri="{909E8E84-426E-40DD-AFC4-6F175D3DCCD1}">
+              <a14:hiddenFill xmlns:a14="http://schemas.microsoft.com/office/drawing/2010/main">
+                <a:solidFill>
+                  <a:srgbClr val="FFFFFF"/>
+                </a:solidFill>
+              </a14:hiddenFill>
+            </a:ext>
+          </a:extLst>
+        </p:spPr>
+      </p:pic>
+      <p:pic>
+        <p:nvPicPr>
+          <p:cNvPr id="17" name="Picture 15" descr="http://images.clipartpanda.com/round-clipart-white-round-md.png"/>
+          <p:cNvPicPr>
+            <a:picLocks noChangeAspect="1" noChangeArrowheads="1"/>
+          </p:cNvPicPr>
+          <p:nvPr/>
+        </p:nvPicPr>
+        <p:blipFill>
+          <a:blip r:embed="rId5" cstate="print">
+            <a:extLst>
+              <a:ext uri="{28A0092B-C50C-407E-A947-70E740481C1C}">
+                <a14:useLocalDpi xmlns:a14="http://schemas.microsoft.com/office/drawing/2010/main" val="0"/>
+              </a:ext>
+            </a:extLst>
+          </a:blip>
+          <a:srcRect/>
+          <a:stretch>
+            <a:fillRect/>
+          </a:stretch>
+        </p:blipFill>
+        <p:spPr bwMode="auto">
+          <a:xfrm>
+            <a:off x="1316384" y="2219543"/>
+            <a:ext cx="502688" cy="502688"/>
+          </a:xfrm>
+          <a:prstGeom prst="rect">
+            <a:avLst/>
+          </a:prstGeom>
+          <a:noFill/>
+          <a:extLst>
+            <a:ext uri="{909E8E84-426E-40DD-AFC4-6F175D3DCCD1}">
+              <a14:hiddenFill xmlns:a14="http://schemas.microsoft.com/office/drawing/2010/main">
+                <a:solidFill>
+                  <a:srgbClr val="FFFFFF"/>
+                </a:solidFill>
+              </a14:hiddenFill>
+            </a:ext>
+          </a:extLst>
+        </p:spPr>
+      </p:pic>
+      <p:sp>
+        <p:nvSpPr>
+          <p:cNvPr id="18" name="Rounded Rectangle 17"/>
+          <p:cNvSpPr/>
+          <p:nvPr/>
+        </p:nvSpPr>
+        <p:spPr>
+          <a:xfrm>
+            <a:off x="1115616" y="321717"/>
+            <a:ext cx="991488" cy="2497597"/>
+          </a:xfrm>
+          <a:prstGeom prst="roundRect">
+            <a:avLst/>
+          </a:prstGeom>
+          <a:noFill/>
+          <a:ln>
+            <a:solidFill>
+              <a:schemeClr val="tx1"/>
+            </a:solidFill>
+          </a:ln>
+        </p:spPr>
+        <p:style>
+          <a:lnRef idx="2">
+            <a:schemeClr val="accent1">
+              <a:shade val="50000"/>
+            </a:schemeClr>
+          </a:lnRef>
+          <a:fillRef idx="1">
+            <a:schemeClr val="accent1"/>
+          </a:fillRef>
+          <a:effectRef idx="0">
+            <a:schemeClr val="accent1"/>
+          </a:effectRef>
+          <a:fontRef idx="minor">
+            <a:schemeClr val="lt1"/>
+          </a:fontRef>
+        </p:style>
+        <p:txBody>
+          <a:bodyPr rtlCol="0" anchor="ctr"/>
+          <a:lstStyle/>
+          <a:p>
+            <a:pPr algn="ctr"/>
+            <a:endParaRPr lang="de-CH">
+              <a:solidFill>
+                <a:schemeClr val="tx1"/>
+              </a:solidFill>
+              <a:latin typeface="Arial" panose="020B0604020202020204" pitchFamily="34" charset="0"/>
+              <a:cs typeface="Arial" panose="020B0604020202020204" pitchFamily="34" charset="0"/>
+            </a:endParaRPr>
+          </a:p>
+        </p:txBody>
+      </p:sp>
+      <p:pic>
+        <p:nvPicPr>
+          <p:cNvPr id="20" name="Picture 9"/>
+          <p:cNvPicPr>
+            <a:picLocks noChangeAspect="1" noChangeArrowheads="1"/>
+          </p:cNvPicPr>
+          <p:nvPr/>
+        </p:nvPicPr>
+        <p:blipFill>
+          <a:blip r:embed="rId6" cstate="print">
+            <a:extLst>
+              <a:ext uri="{28A0092B-C50C-407E-A947-70E740481C1C}">
+                <a14:useLocalDpi xmlns:a14="http://schemas.microsoft.com/office/drawing/2010/main" val="0"/>
+              </a:ext>
+            </a:extLst>
+          </a:blip>
+          <a:srcRect/>
+          <a:stretch>
+            <a:fillRect/>
+          </a:stretch>
+        </p:blipFill>
+        <p:spPr bwMode="auto">
+          <a:xfrm>
+            <a:off x="5300238" y="520058"/>
+            <a:ext cx="418755" cy="617946"/>
+          </a:xfrm>
+          <a:prstGeom prst="rect">
+            <a:avLst/>
+          </a:prstGeom>
+          <a:noFill/>
+          <a:ln>
+            <a:noFill/>
+          </a:ln>
+          <a:extLst>
+            <a:ext uri="{909E8E84-426E-40DD-AFC4-6F175D3DCCD1}">
+              <a14:hiddenFill xmlns:a14="http://schemas.microsoft.com/office/drawing/2010/main">
+                <a:solidFill>
+                  <a:schemeClr val="accent1"/>
+                </a:solidFill>
+              </a14:hiddenFill>
+            </a:ext>
+            <a:ext uri="{91240B29-F687-4F45-9708-019B960494DF}">
+              <a14:hiddenLine xmlns:a14="http://schemas.microsoft.com/office/drawing/2010/main" w="9525">
+                <a:solidFill>
+                  <a:schemeClr val="tx1"/>
+                </a:solidFill>
+                <a:miter lim="800000"/>
+                <a:headEnd/>
+                <a:tailEnd/>
+              </a14:hiddenLine>
+            </a:ext>
+          </a:extLst>
+        </p:spPr>
+      </p:pic>
+      <p:pic>
+        <p:nvPicPr>
+          <p:cNvPr id="21" name="Picture 11" descr="http://a.rgbimg.com/cache1n8lEo/users/j/ja/jazza/300/2djsV4n.jpg"/>
+          <p:cNvPicPr>
+            <a:picLocks noChangeAspect="1" noChangeArrowheads="1"/>
+          </p:cNvPicPr>
+          <p:nvPr/>
+        </p:nvPicPr>
+        <p:blipFill>
+          <a:blip r:embed="rId3" cstate="print">
+            <a:extLst>
+              <a:ext uri="{28A0092B-C50C-407E-A947-70E740481C1C}">
+                <a14:useLocalDpi xmlns:a14="http://schemas.microsoft.com/office/drawing/2010/main" val="0"/>
+              </a:ext>
+            </a:extLst>
+          </a:blip>
+          <a:srcRect/>
+          <a:stretch>
+            <a:fillRect/>
+          </a:stretch>
+        </p:blipFill>
+        <p:spPr bwMode="auto">
+          <a:xfrm>
+            <a:off x="5161123" y="1167431"/>
+            <a:ext cx="669314" cy="499755"/>
+          </a:xfrm>
+          <a:prstGeom prst="rect">
+            <a:avLst/>
+          </a:prstGeom>
+          <a:noFill/>
+          <a:extLst>
+            <a:ext uri="{909E8E84-426E-40DD-AFC4-6F175D3DCCD1}">
+              <a14:hiddenFill xmlns:a14="http://schemas.microsoft.com/office/drawing/2010/main">
+                <a:solidFill>
+                  <a:srgbClr val="FFFFFF"/>
+                </a:solidFill>
+              </a14:hiddenFill>
+            </a:ext>
+          </a:extLst>
+        </p:spPr>
+      </p:pic>
+      <p:pic>
+        <p:nvPicPr>
+          <p:cNvPr id="22" name="Picture 13" descr="https://c2.staticflickr.com/4/3676/11523219954_31c7d2bf76_b.jpg"/>
+          <p:cNvPicPr>
+            <a:picLocks noChangeAspect="1" noChangeArrowheads="1"/>
+          </p:cNvPicPr>
+          <p:nvPr/>
+        </p:nvPicPr>
+        <p:blipFill>
+          <a:blip r:embed="rId4" cstate="print">
+            <a:extLst>
+              <a:ext uri="{28A0092B-C50C-407E-A947-70E740481C1C}">
+                <a14:useLocalDpi xmlns:a14="http://schemas.microsoft.com/office/drawing/2010/main" val="0"/>
+              </a:ext>
+            </a:extLst>
+          </a:blip>
+          <a:srcRect/>
+          <a:stretch>
+            <a:fillRect/>
+          </a:stretch>
+        </p:blipFill>
+        <p:spPr bwMode="auto">
+          <a:xfrm>
+            <a:off x="5161123" y="1700720"/>
+            <a:ext cx="696986" cy="465565"/>
+          </a:xfrm>
+          <a:prstGeom prst="rect">
+            <a:avLst/>
+          </a:prstGeom>
+          <a:noFill/>
+          <a:extLst>
+            <a:ext uri="{909E8E84-426E-40DD-AFC4-6F175D3DCCD1}">
+              <a14:hiddenFill xmlns:a14="http://schemas.microsoft.com/office/drawing/2010/main">
+                <a:solidFill>
+                  <a:srgbClr val="FFFFFF"/>
+                </a:solidFill>
+              </a14:hiddenFill>
+            </a:ext>
+          </a:extLst>
+        </p:spPr>
+      </p:pic>
+      <p:pic>
+        <p:nvPicPr>
+          <p:cNvPr id="23" name="Picture 15" descr="http://images.clipartpanda.com/round-clipart-white-round-md.png"/>
+          <p:cNvPicPr>
+            <a:picLocks noChangeAspect="1" noChangeArrowheads="1"/>
+          </p:cNvPicPr>
+          <p:nvPr/>
+        </p:nvPicPr>
+        <p:blipFill>
+          <a:blip r:embed="rId5" cstate="print">
+            <a:extLst>
+              <a:ext uri="{28A0092B-C50C-407E-A947-70E740481C1C}">
+                <a14:useLocalDpi xmlns:a14="http://schemas.microsoft.com/office/drawing/2010/main" val="0"/>
+              </a:ext>
+            </a:extLst>
+          </a:blip>
+          <a:srcRect/>
+          <a:stretch>
+            <a:fillRect/>
+          </a:stretch>
+        </p:blipFill>
+        <p:spPr bwMode="auto">
+          <a:xfrm>
+            <a:off x="5204816" y="2219542"/>
+            <a:ext cx="502688" cy="502688"/>
+          </a:xfrm>
+          <a:prstGeom prst="rect">
+            <a:avLst/>
+          </a:prstGeom>
+          <a:noFill/>
+          <a:extLst>
+            <a:ext uri="{909E8E84-426E-40DD-AFC4-6F175D3DCCD1}">
+              <a14:hiddenFill xmlns:a14="http://schemas.microsoft.com/office/drawing/2010/main">
+                <a:solidFill>
+                  <a:srgbClr val="FFFFFF"/>
+                </a:solidFill>
+              </a14:hiddenFill>
+            </a:ext>
+          </a:extLst>
+        </p:spPr>
+      </p:pic>
+      <p:sp>
+        <p:nvSpPr>
+          <p:cNvPr id="24" name="Rounded Rectangle 23"/>
+          <p:cNvSpPr/>
+          <p:nvPr/>
+        </p:nvSpPr>
+        <p:spPr>
+          <a:xfrm>
+            <a:off x="5152007" y="320905"/>
+            <a:ext cx="991488" cy="2497597"/>
+          </a:xfrm>
+          <a:prstGeom prst="roundRect">
+            <a:avLst/>
+          </a:prstGeom>
+          <a:noFill/>
+          <a:ln>
+            <a:solidFill>
+              <a:schemeClr val="tx1"/>
+            </a:solidFill>
+          </a:ln>
+        </p:spPr>
+        <p:style>
+          <a:lnRef idx="2">
+            <a:schemeClr val="accent1">
+              <a:shade val="50000"/>
+            </a:schemeClr>
+          </a:lnRef>
+          <a:fillRef idx="1">
+            <a:schemeClr val="accent1"/>
+          </a:fillRef>
+          <a:effectRef idx="0">
+            <a:schemeClr val="accent1"/>
+          </a:effectRef>
+          <a:fontRef idx="minor">
+            <a:schemeClr val="lt1"/>
+          </a:fontRef>
+        </p:style>
+        <p:txBody>
+          <a:bodyPr rtlCol="0" anchor="ctr"/>
+          <a:lstStyle/>
+          <a:p>
+            <a:pPr algn="ctr"/>
+            <a:endParaRPr lang="de-CH">
+              <a:solidFill>
+                <a:schemeClr val="tx1"/>
+              </a:solidFill>
+              <a:latin typeface="Arial" panose="020B0604020202020204" pitchFamily="34" charset="0"/>
+              <a:cs typeface="Arial" panose="020B0604020202020204" pitchFamily="34" charset="0"/>
+            </a:endParaRPr>
+          </a:p>
+        </p:txBody>
+      </p:sp>
+      <p:pic>
+        <p:nvPicPr>
+          <p:cNvPr id="25" name="Picture 9"/>
+          <p:cNvPicPr>
+            <a:picLocks noChangeAspect="1" noChangeArrowheads="1"/>
+          </p:cNvPicPr>
+          <p:nvPr/>
+        </p:nvPicPr>
+        <p:blipFill>
+          <a:blip r:embed="rId2" cstate="print">
+            <a:extLst>
+              <a:ext uri="{28A0092B-C50C-407E-A947-70E740481C1C}">
+                <a14:useLocalDpi xmlns:a14="http://schemas.microsoft.com/office/drawing/2010/main" val="0"/>
+              </a:ext>
+            </a:extLst>
+          </a:blip>
+          <a:srcRect/>
+          <a:stretch>
+            <a:fillRect/>
+          </a:stretch>
+        </p:blipFill>
+        <p:spPr bwMode="auto">
+          <a:xfrm>
+            <a:off x="3454154" y="519251"/>
+            <a:ext cx="418755" cy="617946"/>
+          </a:xfrm>
+          <a:prstGeom prst="rect">
+            <a:avLst/>
+          </a:prstGeom>
+          <a:noFill/>
+          <a:ln>
+            <a:noFill/>
+          </a:ln>
+          <a:extLst>
+            <a:ext uri="{909E8E84-426E-40DD-AFC4-6F175D3DCCD1}">
+              <a14:hiddenFill xmlns:a14="http://schemas.microsoft.com/office/drawing/2010/main">
+                <a:solidFill>
+                  <a:schemeClr val="accent1"/>
+                </a:solidFill>
+              </a14:hiddenFill>
+            </a:ext>
+            <a:ext uri="{91240B29-F687-4F45-9708-019B960494DF}">
+              <a14:hiddenLine xmlns:a14="http://schemas.microsoft.com/office/drawing/2010/main" w="9525">
+                <a:solidFill>
+                  <a:schemeClr val="tx1"/>
+                </a:solidFill>
+                <a:miter lim="800000"/>
+                <a:headEnd/>
+                <a:tailEnd/>
+              </a14:hiddenLine>
+            </a:ext>
+          </a:extLst>
+        </p:spPr>
+      </p:pic>
+      <p:pic>
+        <p:nvPicPr>
+          <p:cNvPr id="26" name="Picture 11" descr="http://a.rgbimg.com/cache1n8lEo/users/j/ja/jazza/300/2djsV4n.jpg"/>
+          <p:cNvPicPr>
+            <a:picLocks noChangeAspect="1" noChangeArrowheads="1"/>
+          </p:cNvPicPr>
+          <p:nvPr/>
+        </p:nvPicPr>
+        <p:blipFill>
+          <a:blip r:embed="rId3" cstate="print">
+            <a:extLst>
+              <a:ext uri="{28A0092B-C50C-407E-A947-70E740481C1C}">
+                <a14:useLocalDpi xmlns:a14="http://schemas.microsoft.com/office/drawing/2010/main" val="0"/>
+              </a:ext>
+            </a:extLst>
+          </a:blip>
+          <a:srcRect/>
+          <a:stretch>
+            <a:fillRect/>
+          </a:stretch>
+        </p:blipFill>
+        <p:spPr bwMode="auto">
+          <a:xfrm>
+            <a:off x="3315039" y="1166624"/>
+            <a:ext cx="669314" cy="499755"/>
+          </a:xfrm>
+          <a:prstGeom prst="rect">
+            <a:avLst/>
+          </a:prstGeom>
+          <a:noFill/>
+          <a:extLst>
+            <a:ext uri="{909E8E84-426E-40DD-AFC4-6F175D3DCCD1}">
+              <a14:hiddenFill xmlns:a14="http://schemas.microsoft.com/office/drawing/2010/main">
+                <a:solidFill>
+                  <a:srgbClr val="FFFFFF"/>
+                </a:solidFill>
+              </a14:hiddenFill>
+            </a:ext>
+          </a:extLst>
+        </p:spPr>
+      </p:pic>
+      <p:pic>
+        <p:nvPicPr>
+          <p:cNvPr id="27" name="Picture 13" descr="https://c2.staticflickr.com/4/3676/11523219954_31c7d2bf76_b.jpg"/>
+          <p:cNvPicPr>
+            <a:picLocks noChangeAspect="1" noChangeArrowheads="1"/>
+          </p:cNvPicPr>
+          <p:nvPr/>
+        </p:nvPicPr>
+        <p:blipFill>
+          <a:blip r:embed="rId4" cstate="print">
+            <a:extLst>
+              <a:ext uri="{28A0092B-C50C-407E-A947-70E740481C1C}">
+                <a14:useLocalDpi xmlns:a14="http://schemas.microsoft.com/office/drawing/2010/main" val="0"/>
+              </a:ext>
+            </a:extLst>
+          </a:blip>
+          <a:srcRect/>
+          <a:stretch>
+            <a:fillRect/>
+          </a:stretch>
+        </p:blipFill>
+        <p:spPr bwMode="auto">
+          <a:xfrm>
+            <a:off x="3315039" y="1699913"/>
+            <a:ext cx="696986" cy="465565"/>
+          </a:xfrm>
+          <a:prstGeom prst="rect">
+            <a:avLst/>
+          </a:prstGeom>
+          <a:noFill/>
+          <a:extLst>
+            <a:ext uri="{909E8E84-426E-40DD-AFC4-6F175D3DCCD1}">
+              <a14:hiddenFill xmlns:a14="http://schemas.microsoft.com/office/drawing/2010/main">
+                <a:solidFill>
+                  <a:srgbClr val="FFFFFF"/>
+                </a:solidFill>
+              </a14:hiddenFill>
+            </a:ext>
+          </a:extLst>
+        </p:spPr>
+      </p:pic>
+      <p:pic>
+        <p:nvPicPr>
+          <p:cNvPr id="28" name="Picture 15" descr="http://images.clipartpanda.com/round-clipart-white-round-md.png"/>
+          <p:cNvPicPr>
+            <a:picLocks noChangeAspect="1" noChangeArrowheads="1"/>
+          </p:cNvPicPr>
+          <p:nvPr/>
+        </p:nvPicPr>
+        <p:blipFill>
+          <a:blip r:embed="rId5" cstate="print">
+            <a:extLst>
+              <a:ext uri="{28A0092B-C50C-407E-A947-70E740481C1C}">
+                <a14:useLocalDpi xmlns:a14="http://schemas.microsoft.com/office/drawing/2010/main" val="0"/>
+              </a:ext>
+            </a:extLst>
+          </a:blip>
+          <a:srcRect/>
+          <a:stretch>
+            <a:fillRect/>
+          </a:stretch>
+        </p:blipFill>
+        <p:spPr bwMode="auto">
+          <a:xfrm>
+            <a:off x="3358732" y="2218735"/>
+            <a:ext cx="502688" cy="502688"/>
+          </a:xfrm>
+          <a:prstGeom prst="rect">
+            <a:avLst/>
+          </a:prstGeom>
+          <a:noFill/>
+          <a:extLst>
+            <a:ext uri="{909E8E84-426E-40DD-AFC4-6F175D3DCCD1}">
+              <a14:hiddenFill xmlns:a14="http://schemas.microsoft.com/office/drawing/2010/main">
+                <a:solidFill>
+                  <a:srgbClr val="FFFFFF"/>
+                </a:solidFill>
+              </a14:hiddenFill>
+            </a:ext>
+          </a:extLst>
+        </p:spPr>
+      </p:pic>
+      <p:sp>
+        <p:nvSpPr>
+          <p:cNvPr id="29" name="Rounded Rectangle 28"/>
+          <p:cNvSpPr/>
+          <p:nvPr/>
+        </p:nvSpPr>
+        <p:spPr>
+          <a:xfrm>
+            <a:off x="3157964" y="320909"/>
+            <a:ext cx="991488" cy="2497597"/>
+          </a:xfrm>
+          <a:prstGeom prst="roundRect">
+            <a:avLst/>
+          </a:prstGeom>
+          <a:noFill/>
+          <a:ln>
+            <a:solidFill>
+              <a:schemeClr val="tx1"/>
+            </a:solidFill>
+          </a:ln>
+        </p:spPr>
+        <p:style>
+          <a:lnRef idx="2">
+            <a:schemeClr val="accent1">
+              <a:shade val="50000"/>
+            </a:schemeClr>
+          </a:lnRef>
+          <a:fillRef idx="1">
+            <a:schemeClr val="accent1"/>
+          </a:fillRef>
+          <a:effectRef idx="0">
+            <a:schemeClr val="accent1"/>
+          </a:effectRef>
+          <a:fontRef idx="minor">
+            <a:schemeClr val="lt1"/>
+          </a:fontRef>
+        </p:style>
+        <p:txBody>
+          <a:bodyPr rtlCol="0" anchor="ctr"/>
+          <a:lstStyle/>
+          <a:p>
+            <a:pPr algn="ctr"/>
+            <a:endParaRPr lang="de-CH">
+              <a:solidFill>
+                <a:schemeClr val="tx1"/>
+              </a:solidFill>
+              <a:latin typeface="Arial" panose="020B0604020202020204" pitchFamily="34" charset="0"/>
+              <a:cs typeface="Arial" panose="020B0604020202020204" pitchFamily="34" charset="0"/>
+            </a:endParaRPr>
+          </a:p>
+        </p:txBody>
+      </p:sp>
+      <p:cxnSp>
+        <p:nvCxnSpPr>
+          <p:cNvPr id="30" name="Straight Arrow Connector 29"/>
+          <p:cNvCxnSpPr/>
+          <p:nvPr/>
+        </p:nvCxnSpPr>
+        <p:spPr>
+          <a:xfrm flipV="1">
+            <a:off x="4146303" y="1569704"/>
+            <a:ext cx="1067056" cy="2"/>
+          </a:xfrm>
+          <a:prstGeom prst="straightConnector1">
+            <a:avLst/>
+          </a:prstGeom>
+          <a:ln w="50800">
+            <a:solidFill>
+              <a:schemeClr val="tx1"/>
+            </a:solidFill>
+            <a:tailEnd type="triangle"/>
+          </a:ln>
+        </p:spPr>
+        <p:style>
+          <a:lnRef idx="1">
+            <a:schemeClr val="accent1"/>
+          </a:lnRef>
+          <a:fillRef idx="0">
+            <a:schemeClr val="accent1"/>
+          </a:fillRef>
+          <a:effectRef idx="0">
+            <a:schemeClr val="accent1"/>
+          </a:effectRef>
+          <a:fontRef idx="minor">
+            <a:schemeClr val="tx1"/>
+          </a:fontRef>
+        </p:style>
+      </p:cxnSp>
+      <p:pic>
+        <p:nvPicPr>
+          <p:cNvPr id="31" name="Picture 9"/>
+          <p:cNvPicPr>
+            <a:picLocks noChangeAspect="1" noChangeArrowheads="1"/>
+          </p:cNvPicPr>
+          <p:nvPr/>
+        </p:nvPicPr>
+        <p:blipFill>
+          <a:blip r:embed="rId2" cstate="print">
+            <a:extLst>
+              <a:ext uri="{28A0092B-C50C-407E-A947-70E740481C1C}">
+                <a14:useLocalDpi xmlns:a14="http://schemas.microsoft.com/office/drawing/2010/main" val="0"/>
+              </a:ext>
+            </a:extLst>
+          </a:blip>
+          <a:srcRect/>
+          <a:stretch>
+            <a:fillRect/>
+          </a:stretch>
+        </p:blipFill>
+        <p:spPr bwMode="auto">
+          <a:xfrm>
+            <a:off x="7481709" y="520059"/>
+            <a:ext cx="418755" cy="617946"/>
+          </a:xfrm>
+          <a:prstGeom prst="rect">
+            <a:avLst/>
+          </a:prstGeom>
+          <a:noFill/>
+          <a:ln>
+            <a:noFill/>
+          </a:ln>
+          <a:extLst>
+            <a:ext uri="{909E8E84-426E-40DD-AFC4-6F175D3DCCD1}">
+              <a14:hiddenFill xmlns:a14="http://schemas.microsoft.com/office/drawing/2010/main">
+                <a:solidFill>
+                  <a:schemeClr val="accent1"/>
+                </a:solidFill>
+              </a14:hiddenFill>
+            </a:ext>
+            <a:ext uri="{91240B29-F687-4F45-9708-019B960494DF}">
+              <a14:hiddenLine xmlns:a14="http://schemas.microsoft.com/office/drawing/2010/main" w="9525">
+                <a:solidFill>
+                  <a:schemeClr val="tx1"/>
+                </a:solidFill>
+                <a:miter lim="800000"/>
+                <a:headEnd/>
+                <a:tailEnd/>
+              </a14:hiddenLine>
+            </a:ext>
+          </a:extLst>
+        </p:spPr>
+      </p:pic>
+      <p:pic>
+        <p:nvPicPr>
+          <p:cNvPr id="32" name="Picture 11" descr="http://a.rgbimg.com/cache1n8lEo/users/j/ja/jazza/300/2djsV4n.jpg"/>
+          <p:cNvPicPr>
+            <a:picLocks noChangeAspect="1" noChangeArrowheads="1"/>
+          </p:cNvPicPr>
+          <p:nvPr/>
+        </p:nvPicPr>
+        <p:blipFill>
+          <a:blip r:embed="rId3" cstate="print">
+            <a:extLst>
+              <a:ext uri="{28A0092B-C50C-407E-A947-70E740481C1C}">
+                <a14:useLocalDpi xmlns:a14="http://schemas.microsoft.com/office/drawing/2010/main" val="0"/>
+              </a:ext>
+            </a:extLst>
+          </a:blip>
+          <a:srcRect/>
+          <a:stretch>
+            <a:fillRect/>
+          </a:stretch>
+        </p:blipFill>
+        <p:spPr bwMode="auto">
+          <a:xfrm>
+            <a:off x="7342594" y="1167432"/>
+            <a:ext cx="669314" cy="499755"/>
+          </a:xfrm>
+          <a:prstGeom prst="rect">
+            <a:avLst/>
+          </a:prstGeom>
+          <a:noFill/>
+          <a:extLst>
+            <a:ext uri="{909E8E84-426E-40DD-AFC4-6F175D3DCCD1}">
+              <a14:hiddenFill xmlns:a14="http://schemas.microsoft.com/office/drawing/2010/main">
+                <a:solidFill>
+                  <a:srgbClr val="FFFFFF"/>
+                </a:solidFill>
+              </a14:hiddenFill>
+            </a:ext>
+          </a:extLst>
+        </p:spPr>
+      </p:pic>
+      <p:pic>
+        <p:nvPicPr>
+          <p:cNvPr id="33" name="Picture 13" descr="https://c2.staticflickr.com/4/3676/11523219954_31c7d2bf76_b.jpg"/>
+          <p:cNvPicPr>
+            <a:picLocks noChangeAspect="1" noChangeArrowheads="1"/>
+          </p:cNvPicPr>
+          <p:nvPr/>
+        </p:nvPicPr>
+        <p:blipFill>
+          <a:blip r:embed="rId4" cstate="print">
+            <a:extLst>
+              <a:ext uri="{28A0092B-C50C-407E-A947-70E740481C1C}">
+                <a14:useLocalDpi xmlns:a14="http://schemas.microsoft.com/office/drawing/2010/main" val="0"/>
+              </a:ext>
+            </a:extLst>
+          </a:blip>
+          <a:srcRect/>
+          <a:stretch>
+            <a:fillRect/>
+          </a:stretch>
+        </p:blipFill>
+        <p:spPr bwMode="auto">
+          <a:xfrm>
+            <a:off x="7342594" y="1700721"/>
+            <a:ext cx="696986" cy="465565"/>
+          </a:xfrm>
+          <a:prstGeom prst="rect">
+            <a:avLst/>
+          </a:prstGeom>
+          <a:noFill/>
+          <a:extLst>
+            <a:ext uri="{909E8E84-426E-40DD-AFC4-6F175D3DCCD1}">
+              <a14:hiddenFill xmlns:a14="http://schemas.microsoft.com/office/drawing/2010/main">
+                <a:solidFill>
+                  <a:srgbClr val="FFFFFF"/>
+                </a:solidFill>
+              </a14:hiddenFill>
+            </a:ext>
+          </a:extLst>
+        </p:spPr>
+      </p:pic>
+      <p:pic>
+        <p:nvPicPr>
+          <p:cNvPr id="34" name="Picture 15" descr="http://images.clipartpanda.com/round-clipart-white-round-md.png"/>
+          <p:cNvPicPr>
+            <a:picLocks noChangeAspect="1" noChangeArrowheads="1"/>
+          </p:cNvPicPr>
+          <p:nvPr/>
+        </p:nvPicPr>
+        <p:blipFill>
+          <a:blip r:embed="rId5" cstate="print">
+            <a:extLst>
+              <a:ext uri="{28A0092B-C50C-407E-A947-70E740481C1C}">
+                <a14:useLocalDpi xmlns:a14="http://schemas.microsoft.com/office/drawing/2010/main" val="0"/>
+              </a:ext>
+            </a:extLst>
+          </a:blip>
+          <a:srcRect/>
+          <a:stretch>
+            <a:fillRect/>
+          </a:stretch>
+        </p:blipFill>
+        <p:spPr bwMode="auto">
+          <a:xfrm>
+            <a:off x="7386287" y="2219543"/>
+            <a:ext cx="502688" cy="502688"/>
+          </a:xfrm>
+          <a:prstGeom prst="rect">
+            <a:avLst/>
+          </a:prstGeom>
+          <a:noFill/>
+          <a:extLst>
+            <a:ext uri="{909E8E84-426E-40DD-AFC4-6F175D3DCCD1}">
+              <a14:hiddenFill xmlns:a14="http://schemas.microsoft.com/office/drawing/2010/main">
+                <a:solidFill>
+                  <a:srgbClr val="FFFFFF"/>
+                </a:solidFill>
+              </a14:hiddenFill>
+            </a:ext>
+          </a:extLst>
+        </p:spPr>
+      </p:pic>
+      <p:sp>
+        <p:nvSpPr>
+          <p:cNvPr id="35" name="Rounded Rectangle 34"/>
+          <p:cNvSpPr/>
+          <p:nvPr/>
+        </p:nvSpPr>
+        <p:spPr>
+          <a:xfrm>
+            <a:off x="7185519" y="321717"/>
+            <a:ext cx="991488" cy="2497597"/>
+          </a:xfrm>
+          <a:prstGeom prst="roundRect">
+            <a:avLst/>
+          </a:prstGeom>
+          <a:noFill/>
+          <a:ln>
+            <a:solidFill>
+              <a:schemeClr val="tx1"/>
+            </a:solidFill>
+          </a:ln>
+        </p:spPr>
+        <p:style>
+          <a:lnRef idx="2">
+            <a:schemeClr val="accent1">
+              <a:shade val="50000"/>
+            </a:schemeClr>
+          </a:lnRef>
+          <a:fillRef idx="1">
+            <a:schemeClr val="accent1"/>
+          </a:fillRef>
+          <a:effectRef idx="0">
+            <a:schemeClr val="accent1"/>
+          </a:effectRef>
+          <a:fontRef idx="minor">
+            <a:schemeClr val="lt1"/>
+          </a:fontRef>
+        </p:style>
+        <p:txBody>
+          <a:bodyPr rtlCol="0" anchor="ctr"/>
+          <a:lstStyle/>
+          <a:p>
+            <a:pPr algn="ctr"/>
+            <a:endParaRPr lang="de-CH">
+              <a:solidFill>
+                <a:schemeClr val="tx1"/>
+              </a:solidFill>
+              <a:latin typeface="Arial" panose="020B0604020202020204" pitchFamily="34" charset="0"/>
+              <a:cs typeface="Arial" panose="020B0604020202020204" pitchFamily="34" charset="0"/>
+            </a:endParaRPr>
+          </a:p>
+        </p:txBody>
+      </p:sp>
+      <p:cxnSp>
+        <p:nvCxnSpPr>
+          <p:cNvPr id="36" name="Straight Arrow Connector 35"/>
+          <p:cNvCxnSpPr/>
+          <p:nvPr/>
+        </p:nvCxnSpPr>
+        <p:spPr>
+          <a:xfrm flipV="1">
+            <a:off x="6118463" y="1559826"/>
+            <a:ext cx="1067056" cy="2"/>
+          </a:xfrm>
+          <a:prstGeom prst="straightConnector1">
+            <a:avLst/>
+          </a:prstGeom>
+          <a:ln w="50800">
+            <a:solidFill>
+              <a:schemeClr val="tx1"/>
+            </a:solidFill>
+            <a:tailEnd type="triangle"/>
+          </a:ln>
+        </p:spPr>
+        <p:style>
+          <a:lnRef idx="1">
+            <a:schemeClr val="accent1"/>
+          </a:lnRef>
+          <a:fillRef idx="0">
+            <a:schemeClr val="accent1"/>
+          </a:fillRef>
+          <a:effectRef idx="0">
+            <a:schemeClr val="accent1"/>
+          </a:effectRef>
+          <a:fontRef idx="minor">
+            <a:schemeClr val="tx1"/>
+          </a:fontRef>
+        </p:style>
+      </p:cxnSp>
+      <p:pic>
+        <p:nvPicPr>
+          <p:cNvPr id="1026" name="Picture 2"/>
+          <p:cNvPicPr>
+            <a:picLocks noChangeAspect="1" noChangeArrowheads="1"/>
+          </p:cNvPicPr>
+          <p:nvPr/>
+        </p:nvPicPr>
+        <p:blipFill>
+          <a:blip r:embed="rId7">
+            <a:extLst>
+              <a:ext uri="{28A0092B-C50C-407E-A947-70E740481C1C}">
+                <a14:useLocalDpi xmlns:a14="http://schemas.microsoft.com/office/drawing/2010/main" val="0"/>
+              </a:ext>
+            </a:extLst>
+          </a:blip>
+          <a:srcRect/>
+          <a:stretch>
+            <a:fillRect/>
+          </a:stretch>
+        </p:blipFill>
+        <p:spPr bwMode="auto">
+          <a:xfrm>
+            <a:off x="1272691" y="3789040"/>
+            <a:ext cx="6677674" cy="2940208"/>
+          </a:xfrm>
+          <a:prstGeom prst="rect">
+            <a:avLst/>
+          </a:prstGeom>
+          <a:noFill/>
+          <a:ln>
+            <a:noFill/>
+          </a:ln>
+          <a:extLst>
+            <a:ext uri="{909E8E84-426E-40DD-AFC4-6F175D3DCCD1}">
+              <a14:hiddenFill xmlns:a14="http://schemas.microsoft.com/office/drawing/2010/main">
+                <a:solidFill>
+                  <a:schemeClr val="accent1"/>
+                </a:solidFill>
+              </a14:hiddenFill>
+            </a:ext>
+            <a:ext uri="{91240B29-F687-4F45-9708-019B960494DF}">
+              <a14:hiddenLine xmlns:a14="http://schemas.microsoft.com/office/drawing/2010/main" w="9525">
+                <a:solidFill>
+                  <a:schemeClr val="tx1"/>
+                </a:solidFill>
+                <a:miter lim="800000"/>
+                <a:headEnd/>
+                <a:tailEnd/>
+              </a14:hiddenLine>
+            </a:ext>
+          </a:extLst>
+        </p:spPr>
+      </p:pic>
+    </p:spTree>
+    <p:extLst>
+      <p:ext uri="{BB962C8B-B14F-4D97-AF65-F5344CB8AC3E}">
+        <p14:creationId xmlns:p14="http://schemas.microsoft.com/office/powerpoint/2010/main" val="4054654704"/>
+      </p:ext>
+    </p:extLst>
+  </p:cSld>
+  <p:clrMapOvr>
+    <a:masterClrMapping/>
+  </p:clrMapOvr>
+</p:sld>
+</file>
+
+<file path=ppt/slides/slide11.xml><?xml version="1.0" encoding="utf-8"?>
+<p:sld xmlns:a="http://schemas.openxmlformats.org/drawingml/2006/main" xmlns:r="http://schemas.openxmlformats.org/officeDocument/2006/relationships" xmlns:p="http://schemas.openxmlformats.org/presentationml/2006/main">
+  <p:cSld>
+    <p:spTree>
+      <p:nvGrpSpPr>
+        <p:cNvPr id="1" name=""/>
+        <p:cNvGrpSpPr/>
+        <p:nvPr/>
+      </p:nvGrpSpPr>
+      <p:grpSpPr>
+        <a:xfrm>
+          <a:off x="0" y="0"/>
+          <a:ext cx="0" cy="0"/>
+          <a:chOff x="0" y="0"/>
+          <a:chExt cx="0" cy="0"/>
+        </a:xfrm>
+      </p:grpSpPr>
+      <p:pic>
+        <p:nvPicPr>
+          <p:cNvPr id="52" name="Picture 5" descr="http://www.faithandreality.ca/misc-images/openness_thumb.jpg"/>
+          <p:cNvPicPr>
+            <a:picLocks noChangeAspect="1" noChangeArrowheads="1"/>
+          </p:cNvPicPr>
+          <p:nvPr/>
+        </p:nvPicPr>
+        <p:blipFill>
+          <a:blip r:embed="rId2" cstate="print">
+            <a:extLst>
+              <a:ext uri="{28A0092B-C50C-407E-A947-70E740481C1C}">
+                <a14:useLocalDpi xmlns:a14="http://schemas.microsoft.com/office/drawing/2010/main" val="0"/>
+              </a:ext>
+            </a:extLst>
+          </a:blip>
+          <a:srcRect/>
+          <a:stretch>
+            <a:fillRect/>
+          </a:stretch>
+        </p:blipFill>
+        <p:spPr bwMode="auto">
+          <a:xfrm>
+            <a:off x="3622402" y="2780928"/>
+            <a:ext cx="1224136" cy="517904"/>
+          </a:xfrm>
+          <a:prstGeom prst="rect">
+            <a:avLst/>
+          </a:prstGeom>
+          <a:noFill/>
+          <a:extLst>
+            <a:ext uri="{909E8E84-426E-40DD-AFC4-6F175D3DCCD1}">
+              <a14:hiddenFill xmlns:a14="http://schemas.microsoft.com/office/drawing/2010/main">
+                <a:solidFill>
+                  <a:srgbClr val="FFFFFF"/>
+                </a:solidFill>
+              </a14:hiddenFill>
+            </a:ext>
+          </a:extLst>
+        </p:spPr>
+      </p:pic>
+      <p:cxnSp>
+        <p:nvCxnSpPr>
+          <p:cNvPr id="37" name="Straight Connector 36"/>
+          <p:cNvCxnSpPr/>
+          <p:nvPr/>
+        </p:nvCxnSpPr>
+        <p:spPr>
+          <a:xfrm>
+            <a:off x="525020" y="3429000"/>
+            <a:ext cx="7848872" cy="0"/>
+          </a:xfrm>
+          <a:prstGeom prst="line">
+            <a:avLst/>
+          </a:prstGeom>
+          <a:ln w="38100">
+            <a:solidFill>
+              <a:schemeClr val="bg1">
+                <a:lumMod val="65000"/>
+              </a:schemeClr>
+            </a:solidFill>
+            <a:prstDash val="sysDash"/>
+          </a:ln>
+        </p:spPr>
+        <p:style>
+          <a:lnRef idx="1">
+            <a:schemeClr val="accent1"/>
+          </a:lnRef>
+          <a:fillRef idx="0">
+            <a:schemeClr val="accent1"/>
+          </a:fillRef>
+          <a:effectRef idx="0">
+            <a:schemeClr val="accent1"/>
+          </a:effectRef>
+          <a:fontRef idx="minor">
+            <a:schemeClr val="tx1"/>
+          </a:fontRef>
+        </p:style>
+      </p:cxnSp>
+      <p:cxnSp>
+        <p:nvCxnSpPr>
+          <p:cNvPr id="38" name="Straight Arrow Connector 37"/>
+          <p:cNvCxnSpPr/>
+          <p:nvPr/>
+        </p:nvCxnSpPr>
+        <p:spPr>
+          <a:xfrm>
+            <a:off x="2888823" y="1222508"/>
+            <a:ext cx="864096" cy="0"/>
+          </a:xfrm>
+          <a:prstGeom prst="straightConnector1">
+            <a:avLst/>
+          </a:prstGeom>
+          <a:ln w="50800">
+            <a:solidFill>
+              <a:schemeClr val="tx1"/>
+            </a:solidFill>
+            <a:tailEnd type="triangle"/>
+          </a:ln>
+        </p:spPr>
+        <p:style>
+          <a:lnRef idx="1">
+            <a:schemeClr val="accent1"/>
+          </a:lnRef>
+          <a:fillRef idx="0">
+            <a:schemeClr val="accent1"/>
+          </a:fillRef>
+          <a:effectRef idx="0">
+            <a:schemeClr val="accent1"/>
+          </a:effectRef>
+          <a:fontRef idx="minor">
+            <a:schemeClr val="tx1"/>
+          </a:fontRef>
+        </p:style>
+      </p:cxnSp>
+      <p:pic>
+        <p:nvPicPr>
+          <p:cNvPr id="39" name="Picture 9"/>
+          <p:cNvPicPr>
+            <a:picLocks noChangeAspect="1" noChangeArrowheads="1"/>
+          </p:cNvPicPr>
+          <p:nvPr/>
+        </p:nvPicPr>
+        <p:blipFill>
+          <a:blip r:embed="rId3" cstate="print">
+            <a:extLst>
+              <a:ext uri="{28A0092B-C50C-407E-A947-70E740481C1C}">
+                <a14:useLocalDpi xmlns:a14="http://schemas.microsoft.com/office/drawing/2010/main" val="0"/>
+              </a:ext>
+            </a:extLst>
+          </a:blip>
+          <a:srcRect/>
+          <a:stretch>
+            <a:fillRect/>
+          </a:stretch>
+        </p:blipFill>
+        <p:spPr bwMode="auto">
+          <a:xfrm>
+            <a:off x="2371822" y="233633"/>
+            <a:ext cx="259937" cy="383581"/>
+          </a:xfrm>
+          <a:prstGeom prst="rect">
+            <a:avLst/>
+          </a:prstGeom>
+          <a:noFill/>
+          <a:ln>
+            <a:noFill/>
+          </a:ln>
+          <a:extLst>
+            <a:ext uri="{909E8E84-426E-40DD-AFC4-6F175D3DCCD1}">
+              <a14:hiddenFill xmlns:a14="http://schemas.microsoft.com/office/drawing/2010/main">
+                <a:solidFill>
+                  <a:schemeClr val="accent1"/>
+                </a:solidFill>
+              </a14:hiddenFill>
+            </a:ext>
+            <a:ext uri="{91240B29-F687-4F45-9708-019B960494DF}">
+              <a14:hiddenLine xmlns:a14="http://schemas.microsoft.com/office/drawing/2010/main" w="9525">
+                <a:solidFill>
+                  <a:schemeClr val="tx1"/>
+                </a:solidFill>
+                <a:miter lim="800000"/>
+                <a:headEnd/>
+                <a:tailEnd/>
+              </a14:hiddenLine>
+            </a:ext>
+          </a:extLst>
+        </p:spPr>
+      </p:pic>
+      <p:pic>
+        <p:nvPicPr>
+          <p:cNvPr id="40" name="Picture 11" descr="http://a.rgbimg.com/cache1n8lEo/users/j/ja/jazza/300/2djsV4n.jpg"/>
+          <p:cNvPicPr>
+            <a:picLocks noChangeAspect="1" noChangeArrowheads="1"/>
+          </p:cNvPicPr>
+          <p:nvPr/>
+        </p:nvPicPr>
+        <p:blipFill>
+          <a:blip r:embed="rId4" cstate="print">
+            <a:extLst>
+              <a:ext uri="{28A0092B-C50C-407E-A947-70E740481C1C}">
+                <a14:useLocalDpi xmlns:a14="http://schemas.microsoft.com/office/drawing/2010/main" val="0"/>
+              </a:ext>
+            </a:extLst>
+          </a:blip>
+          <a:srcRect/>
+          <a:stretch>
+            <a:fillRect/>
+          </a:stretch>
+        </p:blipFill>
+        <p:spPr bwMode="auto">
+          <a:xfrm>
+            <a:off x="2232708" y="689217"/>
+            <a:ext cx="539844" cy="403084"/>
+          </a:xfrm>
+          <a:prstGeom prst="rect">
+            <a:avLst/>
+          </a:prstGeom>
+          <a:noFill/>
+          <a:extLst>
+            <a:ext uri="{909E8E84-426E-40DD-AFC4-6F175D3DCCD1}">
+              <a14:hiddenFill xmlns:a14="http://schemas.microsoft.com/office/drawing/2010/main">
+                <a:solidFill>
+                  <a:srgbClr val="FFFFFF"/>
+                </a:solidFill>
+              </a14:hiddenFill>
+            </a:ext>
+          </a:extLst>
+        </p:spPr>
+      </p:pic>
+      <p:pic>
+        <p:nvPicPr>
+          <p:cNvPr id="41" name="Picture 13" descr="https://c2.staticflickr.com/4/3676/11523219954_31c7d2bf76_b.jpg"/>
+          <p:cNvPicPr>
+            <a:picLocks noChangeAspect="1" noChangeArrowheads="1"/>
+          </p:cNvPicPr>
+          <p:nvPr/>
+        </p:nvPicPr>
+        <p:blipFill>
+          <a:blip r:embed="rId5" cstate="print">
+            <a:extLst>
+              <a:ext uri="{28A0092B-C50C-407E-A947-70E740481C1C}">
+                <a14:useLocalDpi xmlns:a14="http://schemas.microsoft.com/office/drawing/2010/main" val="0"/>
+              </a:ext>
+            </a:extLst>
+          </a:blip>
+          <a:srcRect/>
+          <a:stretch>
+            <a:fillRect/>
+          </a:stretch>
+        </p:blipFill>
+        <p:spPr bwMode="auto">
+          <a:xfrm>
+            <a:off x="2232708" y="1222506"/>
+            <a:ext cx="554107" cy="370126"/>
+          </a:xfrm>
+          <a:prstGeom prst="rect">
+            <a:avLst/>
+          </a:prstGeom>
+          <a:noFill/>
+          <a:extLst>
+            <a:ext uri="{909E8E84-426E-40DD-AFC4-6F175D3DCCD1}">
+              <a14:hiddenFill xmlns:a14="http://schemas.microsoft.com/office/drawing/2010/main">
+                <a:solidFill>
+                  <a:srgbClr val="FFFFFF"/>
+                </a:solidFill>
+              </a14:hiddenFill>
+            </a:ext>
+          </a:extLst>
+        </p:spPr>
+      </p:pic>
+      <p:pic>
+        <p:nvPicPr>
+          <p:cNvPr id="42" name="Picture 15" descr="http://images.clipartpanda.com/round-clipart-white-round-md.png"/>
+          <p:cNvPicPr>
+            <a:picLocks noChangeAspect="1" noChangeArrowheads="1"/>
+          </p:cNvPicPr>
+          <p:nvPr/>
+        </p:nvPicPr>
+        <p:blipFill>
+          <a:blip r:embed="rId6" cstate="print">
+            <a:extLst>
+              <a:ext uri="{28A0092B-C50C-407E-A947-70E740481C1C}">
+                <a14:useLocalDpi xmlns:a14="http://schemas.microsoft.com/office/drawing/2010/main" val="0"/>
+              </a:ext>
+            </a:extLst>
+          </a:blip>
+          <a:srcRect/>
+          <a:stretch>
+            <a:fillRect/>
+          </a:stretch>
+        </p:blipFill>
+        <p:spPr bwMode="auto">
+          <a:xfrm>
+            <a:off x="2276401" y="1741327"/>
+            <a:ext cx="355360" cy="355360"/>
+          </a:xfrm>
+          <a:prstGeom prst="rect">
+            <a:avLst/>
+          </a:prstGeom>
+          <a:noFill/>
+          <a:extLst>
+            <a:ext uri="{909E8E84-426E-40DD-AFC4-6F175D3DCCD1}">
+              <a14:hiddenFill xmlns:a14="http://schemas.microsoft.com/office/drawing/2010/main">
+                <a:solidFill>
+                  <a:srgbClr val="FFFFFF"/>
+                </a:solidFill>
+              </a14:hiddenFill>
+            </a:ext>
+          </a:extLst>
+        </p:spPr>
+      </p:pic>
+      <p:sp>
+        <p:nvSpPr>
+          <p:cNvPr id="43" name="Rounded Rectangle 42"/>
+          <p:cNvSpPr/>
+          <p:nvPr/>
+        </p:nvSpPr>
+        <p:spPr>
+          <a:xfrm>
+            <a:off x="2136017" y="158770"/>
+            <a:ext cx="752806" cy="2084437"/>
+          </a:xfrm>
+          <a:prstGeom prst="roundRect">
+            <a:avLst/>
+          </a:prstGeom>
+          <a:noFill/>
+          <a:ln>
+            <a:solidFill>
+              <a:schemeClr val="tx1"/>
+            </a:solidFill>
+          </a:ln>
+        </p:spPr>
+        <p:style>
+          <a:lnRef idx="2">
+            <a:schemeClr val="accent1">
+              <a:shade val="50000"/>
+            </a:schemeClr>
+          </a:lnRef>
+          <a:fillRef idx="1">
+            <a:schemeClr val="accent1"/>
+          </a:fillRef>
+          <a:effectRef idx="0">
+            <a:schemeClr val="accent1"/>
+          </a:effectRef>
+          <a:fontRef idx="minor">
+            <a:schemeClr val="lt1"/>
+          </a:fontRef>
+        </p:style>
+        <p:txBody>
+          <a:bodyPr rtlCol="0" anchor="ctr"/>
+          <a:lstStyle/>
+          <a:p>
+            <a:pPr algn="ctr"/>
+            <a:endParaRPr lang="de-CH">
+              <a:solidFill>
+                <a:schemeClr val="tx1"/>
+              </a:solidFill>
+              <a:latin typeface="Arial" panose="020B0604020202020204" pitchFamily="34" charset="0"/>
+              <a:cs typeface="Arial" panose="020B0604020202020204" pitchFamily="34" charset="0"/>
+            </a:endParaRPr>
+          </a:p>
+        </p:txBody>
+      </p:sp>
+      <p:pic>
+        <p:nvPicPr>
+          <p:cNvPr id="45" name="Picture 9"/>
+          <p:cNvPicPr>
+            <a:picLocks noChangeAspect="1" noChangeArrowheads="1"/>
+          </p:cNvPicPr>
+          <p:nvPr/>
+        </p:nvPicPr>
+        <p:blipFill>
+          <a:blip r:embed="rId7" cstate="print">
+            <a:extLst>
+              <a:ext uri="{28A0092B-C50C-407E-A947-70E740481C1C}">
+                <a14:useLocalDpi xmlns:a14="http://schemas.microsoft.com/office/drawing/2010/main" val="0"/>
+              </a:ext>
+            </a:extLst>
+          </a:blip>
+          <a:srcRect/>
+          <a:stretch>
+            <a:fillRect/>
+          </a:stretch>
+        </p:blipFill>
+        <p:spPr bwMode="auto">
+          <a:xfrm>
+            <a:off x="3974533" y="233632"/>
+            <a:ext cx="259937" cy="383581"/>
+          </a:xfrm>
+          <a:prstGeom prst="rect">
+            <a:avLst/>
+          </a:prstGeom>
+          <a:noFill/>
+          <a:ln>
+            <a:noFill/>
+          </a:ln>
+          <a:extLst>
+            <a:ext uri="{909E8E84-426E-40DD-AFC4-6F175D3DCCD1}">
+              <a14:hiddenFill xmlns:a14="http://schemas.microsoft.com/office/drawing/2010/main">
+                <a:solidFill>
+                  <a:schemeClr val="accent1"/>
+                </a:solidFill>
+              </a14:hiddenFill>
+            </a:ext>
+            <a:ext uri="{91240B29-F687-4F45-9708-019B960494DF}">
+              <a14:hiddenLine xmlns:a14="http://schemas.microsoft.com/office/drawing/2010/main" w="9525">
+                <a:solidFill>
+                  <a:schemeClr val="tx1"/>
+                </a:solidFill>
+                <a:miter lim="800000"/>
+                <a:headEnd/>
+                <a:tailEnd/>
+              </a14:hiddenLine>
+            </a:ext>
+          </a:extLst>
+        </p:spPr>
+      </p:pic>
+      <p:pic>
+        <p:nvPicPr>
+          <p:cNvPr id="46" name="Picture 11" descr="http://a.rgbimg.com/cache1n8lEo/users/j/ja/jazza/300/2djsV4n.jpg"/>
+          <p:cNvPicPr>
+            <a:picLocks noChangeAspect="1" noChangeArrowheads="1"/>
+          </p:cNvPicPr>
+          <p:nvPr/>
+        </p:nvPicPr>
+        <p:blipFill>
+          <a:blip r:embed="rId4" cstate="print">
+            <a:extLst>
+              <a:ext uri="{28A0092B-C50C-407E-A947-70E740481C1C}">
+                <a14:useLocalDpi xmlns:a14="http://schemas.microsoft.com/office/drawing/2010/main" val="0"/>
+              </a:ext>
+            </a:extLst>
+          </a:blip>
+          <a:srcRect/>
+          <a:stretch>
+            <a:fillRect/>
+          </a:stretch>
+        </p:blipFill>
+        <p:spPr bwMode="auto">
+          <a:xfrm>
+            <a:off x="3835419" y="689216"/>
+            <a:ext cx="539844" cy="403084"/>
+          </a:xfrm>
+          <a:prstGeom prst="rect">
+            <a:avLst/>
+          </a:prstGeom>
+          <a:noFill/>
+          <a:extLst>
+            <a:ext uri="{909E8E84-426E-40DD-AFC4-6F175D3DCCD1}">
+              <a14:hiddenFill xmlns:a14="http://schemas.microsoft.com/office/drawing/2010/main">
+                <a:solidFill>
+                  <a:srgbClr val="FFFFFF"/>
+                </a:solidFill>
+              </a14:hiddenFill>
+            </a:ext>
+          </a:extLst>
+        </p:spPr>
+      </p:pic>
+      <p:pic>
+        <p:nvPicPr>
+          <p:cNvPr id="47" name="Picture 13" descr="https://c2.staticflickr.com/4/3676/11523219954_31c7d2bf76_b.jpg"/>
+          <p:cNvPicPr>
+            <a:picLocks noChangeAspect="1" noChangeArrowheads="1"/>
+          </p:cNvPicPr>
+          <p:nvPr/>
+        </p:nvPicPr>
+        <p:blipFill>
+          <a:blip r:embed="rId5" cstate="print">
+            <a:extLst>
+              <a:ext uri="{28A0092B-C50C-407E-A947-70E740481C1C}">
+                <a14:useLocalDpi xmlns:a14="http://schemas.microsoft.com/office/drawing/2010/main" val="0"/>
+              </a:ext>
+            </a:extLst>
+          </a:blip>
+          <a:srcRect/>
+          <a:stretch>
+            <a:fillRect/>
+          </a:stretch>
+        </p:blipFill>
+        <p:spPr bwMode="auto">
+          <a:xfrm>
+            <a:off x="3835419" y="1222505"/>
+            <a:ext cx="554107" cy="370126"/>
+          </a:xfrm>
+          <a:prstGeom prst="rect">
+            <a:avLst/>
+          </a:prstGeom>
+          <a:noFill/>
+          <a:extLst>
+            <a:ext uri="{909E8E84-426E-40DD-AFC4-6F175D3DCCD1}">
+              <a14:hiddenFill xmlns:a14="http://schemas.microsoft.com/office/drawing/2010/main">
+                <a:solidFill>
+                  <a:srgbClr val="FFFFFF"/>
+                </a:solidFill>
+              </a14:hiddenFill>
+            </a:ext>
+          </a:extLst>
+        </p:spPr>
+      </p:pic>
+      <p:pic>
+        <p:nvPicPr>
+          <p:cNvPr id="48" name="Picture 15" descr="http://images.clipartpanda.com/round-clipart-white-round-md.png"/>
+          <p:cNvPicPr>
+            <a:picLocks noChangeAspect="1" noChangeArrowheads="1"/>
+          </p:cNvPicPr>
+          <p:nvPr/>
+        </p:nvPicPr>
+        <p:blipFill>
+          <a:blip r:embed="rId6" cstate="print">
+            <a:extLst>
+              <a:ext uri="{28A0092B-C50C-407E-A947-70E740481C1C}">
+                <a14:useLocalDpi xmlns:a14="http://schemas.microsoft.com/office/drawing/2010/main" val="0"/>
+              </a:ext>
+            </a:extLst>
+          </a:blip>
+          <a:srcRect/>
+          <a:stretch>
+            <a:fillRect/>
+          </a:stretch>
+        </p:blipFill>
+        <p:spPr bwMode="auto">
+          <a:xfrm>
+            <a:off x="3879112" y="1741326"/>
+            <a:ext cx="355360" cy="355360"/>
+          </a:xfrm>
+          <a:prstGeom prst="rect">
+            <a:avLst/>
+          </a:prstGeom>
+          <a:noFill/>
+          <a:extLst>
+            <a:ext uri="{909E8E84-426E-40DD-AFC4-6F175D3DCCD1}">
+              <a14:hiddenFill xmlns:a14="http://schemas.microsoft.com/office/drawing/2010/main">
+                <a:solidFill>
+                  <a:srgbClr val="FFFFFF"/>
+                </a:solidFill>
+              </a14:hiddenFill>
+            </a:ext>
+          </a:extLst>
+        </p:spPr>
+      </p:pic>
+      <p:sp>
+        <p:nvSpPr>
+          <p:cNvPr id="49" name="Rounded Rectangle 48"/>
+          <p:cNvSpPr/>
+          <p:nvPr/>
+        </p:nvSpPr>
+        <p:spPr>
+          <a:xfrm>
+            <a:off x="3738728" y="158769"/>
+            <a:ext cx="752806" cy="2084437"/>
+          </a:xfrm>
+          <a:prstGeom prst="roundRect">
+            <a:avLst/>
+          </a:prstGeom>
+          <a:noFill/>
+          <a:ln>
+            <a:solidFill>
+              <a:schemeClr val="tx1"/>
+            </a:solidFill>
+          </a:ln>
+        </p:spPr>
+        <p:style>
+          <a:lnRef idx="2">
+            <a:schemeClr val="accent1">
+              <a:shade val="50000"/>
+            </a:schemeClr>
+          </a:lnRef>
+          <a:fillRef idx="1">
+            <a:schemeClr val="accent1"/>
+          </a:fillRef>
+          <a:effectRef idx="0">
+            <a:schemeClr val="accent1"/>
+          </a:effectRef>
+          <a:fontRef idx="minor">
+            <a:schemeClr val="lt1"/>
+          </a:fontRef>
+        </p:style>
+        <p:txBody>
+          <a:bodyPr rtlCol="0" anchor="ctr"/>
+          <a:lstStyle/>
+          <a:p>
+            <a:pPr algn="ctr"/>
+            <a:endParaRPr lang="de-CH">
+              <a:solidFill>
+                <a:schemeClr val="tx1"/>
+              </a:solidFill>
+              <a:latin typeface="Arial" panose="020B0604020202020204" pitchFamily="34" charset="0"/>
+              <a:cs typeface="Arial" panose="020B0604020202020204" pitchFamily="34" charset="0"/>
+            </a:endParaRPr>
+          </a:p>
+        </p:txBody>
+      </p:sp>
+      <p:pic>
+        <p:nvPicPr>
+          <p:cNvPr id="50" name="Picture 5" descr="http://www.faithandreality.ca/misc-images/openness_thumb.jpg"/>
+          <p:cNvPicPr>
+            <a:picLocks noChangeAspect="1" noChangeArrowheads="1"/>
+          </p:cNvPicPr>
+          <p:nvPr/>
+        </p:nvPicPr>
+        <p:blipFill>
+          <a:blip r:embed="rId2" cstate="print">
+            <a:extLst>
+              <a:ext uri="{28A0092B-C50C-407E-A947-70E740481C1C}">
+                <a14:useLocalDpi xmlns:a14="http://schemas.microsoft.com/office/drawing/2010/main" val="0"/>
+              </a:ext>
+            </a:extLst>
+          </a:blip>
+          <a:srcRect/>
+          <a:stretch>
+            <a:fillRect/>
+          </a:stretch>
+        </p:blipFill>
+        <p:spPr bwMode="auto">
+          <a:xfrm>
+            <a:off x="1900352" y="2780928"/>
+            <a:ext cx="1224136" cy="517904"/>
+          </a:xfrm>
+          <a:prstGeom prst="rect">
+            <a:avLst/>
+          </a:prstGeom>
+          <a:noFill/>
+          <a:extLst>
+            <a:ext uri="{909E8E84-426E-40DD-AFC4-6F175D3DCCD1}">
+              <a14:hiddenFill xmlns:a14="http://schemas.microsoft.com/office/drawing/2010/main">
+                <a:solidFill>
+                  <a:srgbClr val="FFFFFF"/>
+                </a:solidFill>
+              </a14:hiddenFill>
+            </a:ext>
+          </a:extLst>
+        </p:spPr>
+      </p:pic>
+      <p:cxnSp>
+        <p:nvCxnSpPr>
+          <p:cNvPr id="51" name="Straight Arrow Connector 50"/>
+          <p:cNvCxnSpPr/>
+          <p:nvPr/>
+        </p:nvCxnSpPr>
+        <p:spPr>
+          <a:xfrm>
+            <a:off x="2971323" y="3016294"/>
+            <a:ext cx="767405" cy="0"/>
+          </a:xfrm>
+          <a:prstGeom prst="straightConnector1">
+            <a:avLst/>
+          </a:prstGeom>
+          <a:ln w="50800">
+            <a:solidFill>
+              <a:schemeClr val="tx1"/>
+            </a:solidFill>
+            <a:tailEnd type="triangle"/>
+          </a:ln>
+        </p:spPr>
+        <p:style>
+          <a:lnRef idx="1">
+            <a:schemeClr val="accent1"/>
+          </a:lnRef>
+          <a:fillRef idx="0">
+            <a:schemeClr val="accent1"/>
+          </a:fillRef>
+          <a:effectRef idx="0">
+            <a:schemeClr val="accent1"/>
+          </a:effectRef>
+          <a:fontRef idx="minor">
+            <a:schemeClr val="tx1"/>
+          </a:fontRef>
+        </p:style>
+      </p:cxnSp>
+      <p:cxnSp>
+        <p:nvCxnSpPr>
+          <p:cNvPr id="53" name="Straight Arrow Connector 52"/>
+          <p:cNvCxnSpPr/>
+          <p:nvPr/>
+        </p:nvCxnSpPr>
+        <p:spPr>
+          <a:xfrm flipV="1">
+            <a:off x="2772552" y="1919007"/>
+            <a:ext cx="966176" cy="861921"/>
+          </a:xfrm>
+          <a:prstGeom prst="straightConnector1">
+            <a:avLst/>
+          </a:prstGeom>
+          <a:ln w="50800">
+            <a:solidFill>
+              <a:schemeClr val="tx1"/>
+            </a:solidFill>
+            <a:tailEnd type="triangle"/>
+          </a:ln>
+        </p:spPr>
+        <p:style>
+          <a:lnRef idx="1">
+            <a:schemeClr val="accent1"/>
+          </a:lnRef>
+          <a:fillRef idx="0">
+            <a:schemeClr val="accent1"/>
+          </a:fillRef>
+          <a:effectRef idx="0">
+            <a:schemeClr val="accent1"/>
+          </a:effectRef>
+          <a:fontRef idx="minor">
+            <a:schemeClr val="tx1"/>
+          </a:fontRef>
+        </p:style>
+      </p:cxnSp>
+      <p:cxnSp>
+        <p:nvCxnSpPr>
+          <p:cNvPr id="54" name="Straight Arrow Connector 53"/>
+          <p:cNvCxnSpPr/>
+          <p:nvPr/>
+        </p:nvCxnSpPr>
+        <p:spPr>
+          <a:xfrm>
+            <a:off x="2924952" y="1919006"/>
+            <a:ext cx="827967" cy="933930"/>
+          </a:xfrm>
+          <a:prstGeom prst="straightConnector1">
+            <a:avLst/>
+          </a:prstGeom>
+          <a:ln w="50800">
+            <a:solidFill>
+              <a:schemeClr val="tx1"/>
+            </a:solidFill>
+            <a:tailEnd type="triangle"/>
+          </a:ln>
+        </p:spPr>
+        <p:style>
+          <a:lnRef idx="1">
+            <a:schemeClr val="accent1"/>
+          </a:lnRef>
+          <a:fillRef idx="0">
+            <a:schemeClr val="accent1"/>
+          </a:fillRef>
+          <a:effectRef idx="0">
+            <a:schemeClr val="accent1"/>
+          </a:effectRef>
+          <a:fontRef idx="minor">
+            <a:schemeClr val="tx1"/>
+          </a:fontRef>
+        </p:style>
+      </p:cxnSp>
+      <p:pic>
+        <p:nvPicPr>
+          <p:cNvPr id="2050" name="Picture 2"/>
+          <p:cNvPicPr>
+            <a:picLocks noChangeAspect="1" noChangeArrowheads="1"/>
+          </p:cNvPicPr>
+          <p:nvPr/>
+        </p:nvPicPr>
+        <p:blipFill>
+          <a:blip r:embed="rId8">
+            <a:extLst>
+              <a:ext uri="{28A0092B-C50C-407E-A947-70E740481C1C}">
+                <a14:useLocalDpi xmlns:a14="http://schemas.microsoft.com/office/drawing/2010/main" val="0"/>
+              </a:ext>
+            </a:extLst>
+          </a:blip>
+          <a:srcRect/>
+          <a:stretch>
+            <a:fillRect/>
+          </a:stretch>
+        </p:blipFill>
+        <p:spPr bwMode="auto">
+          <a:xfrm>
+            <a:off x="1252254" y="3645024"/>
+            <a:ext cx="6274544" cy="3111344"/>
+          </a:xfrm>
+          <a:prstGeom prst="rect">
+            <a:avLst/>
+          </a:prstGeom>
+          <a:noFill/>
+          <a:ln>
+            <a:noFill/>
+          </a:ln>
+          <a:extLst>
+            <a:ext uri="{909E8E84-426E-40DD-AFC4-6F175D3DCCD1}">
+              <a14:hiddenFill xmlns:a14="http://schemas.microsoft.com/office/drawing/2010/main">
+                <a:solidFill>
+                  <a:schemeClr val="accent1"/>
+                </a:solidFill>
+              </a14:hiddenFill>
+            </a:ext>
+            <a:ext uri="{91240B29-F687-4F45-9708-019B960494DF}">
+              <a14:hiddenLine xmlns:a14="http://schemas.microsoft.com/office/drawing/2010/main" w="9525">
+                <a:solidFill>
+                  <a:schemeClr val="tx1"/>
+                </a:solidFill>
+                <a:miter lim="800000"/>
+                <a:headEnd/>
+                <a:tailEnd/>
+              </a14:hiddenLine>
+            </a:ext>
+          </a:extLst>
+        </p:spPr>
+      </p:pic>
+    </p:spTree>
+    <p:extLst>
+      <p:ext uri="{BB962C8B-B14F-4D97-AF65-F5344CB8AC3E}">
+        <p14:creationId xmlns:p14="http://schemas.microsoft.com/office/powerpoint/2010/main" val="255225748"/>
       </p:ext>
     </p:extLst>
   </p:cSld>

--- a/cambridge/slides/img/des_flu_md.pptx
+++ b/cambridge/slides/img/des_flu_md.pptx
@@ -15,7 +15,10 @@
     <p:sldId id="263" r:id="rId9"/>
     <p:sldId id="264" r:id="rId10"/>
     <p:sldId id="265" r:id="rId11"/>
-    <p:sldId id="266" r:id="rId12"/>
+    <p:sldId id="267" r:id="rId12"/>
+    <p:sldId id="268" r:id="rId13"/>
+    <p:sldId id="269" r:id="rId14"/>
+    <p:sldId id="266" r:id="rId15"/>
   </p:sldIdLst>
   <p:sldSz cx="9144000" cy="6858000" type="screen4x3"/>
   <p:notesSz cx="6858000" cy="9144000"/>
@@ -5284,6 +5287,96 @@
           </a:extLst>
         </p:spPr>
       </p:pic>
+      <p:sp>
+        <p:nvSpPr>
+          <p:cNvPr id="2" name="TextBox 1"/>
+          <p:cNvSpPr txBox="1"/>
+          <p:nvPr/>
+        </p:nvSpPr>
+        <p:spPr>
+          <a:xfrm>
+            <a:off x="2483768" y="1167432"/>
+            <a:ext cx="504056" cy="369332"/>
+          </a:xfrm>
+          <a:prstGeom prst="rect">
+            <a:avLst/>
+          </a:prstGeom>
+          <a:noFill/>
+        </p:spPr>
+        <p:txBody>
+          <a:bodyPr wrap="square" rtlCol="0">
+            <a:spAutoFit/>
+          </a:bodyPr>
+          <a:lstStyle/>
+          <a:p>
+            <a:r>
+              <a:rPr lang="de-CH" smtClean="0"/>
+              <a:t>+</a:t>
+            </a:r>
+            <a:endParaRPr lang="de-CH"/>
+          </a:p>
+        </p:txBody>
+      </p:sp>
+      <p:sp>
+        <p:nvSpPr>
+          <p:cNvPr id="37" name="TextBox 36"/>
+          <p:cNvSpPr txBox="1"/>
+          <p:nvPr/>
+        </p:nvSpPr>
+        <p:spPr>
+          <a:xfrm>
+            <a:off x="4459205" y="1190496"/>
+            <a:ext cx="504056" cy="369332"/>
+          </a:xfrm>
+          <a:prstGeom prst="rect">
+            <a:avLst/>
+          </a:prstGeom>
+          <a:noFill/>
+        </p:spPr>
+        <p:txBody>
+          <a:bodyPr wrap="square" rtlCol="0">
+            <a:spAutoFit/>
+          </a:bodyPr>
+          <a:lstStyle/>
+          <a:p>
+            <a:r>
+              <a:rPr lang="de-CH" smtClean="0"/>
+              <a:t>+</a:t>
+            </a:r>
+            <a:endParaRPr lang="de-CH"/>
+          </a:p>
+        </p:txBody>
+      </p:sp>
+      <p:sp>
+        <p:nvSpPr>
+          <p:cNvPr id="38" name="TextBox 37"/>
+          <p:cNvSpPr txBox="1"/>
+          <p:nvPr/>
+        </p:nvSpPr>
+        <p:spPr>
+          <a:xfrm>
+            <a:off x="6444208" y="1190496"/>
+            <a:ext cx="504056" cy="369332"/>
+          </a:xfrm>
+          <a:prstGeom prst="rect">
+            <a:avLst/>
+          </a:prstGeom>
+          <a:noFill/>
+        </p:spPr>
+        <p:txBody>
+          <a:bodyPr wrap="square" rtlCol="0">
+            <a:spAutoFit/>
+          </a:bodyPr>
+          <a:lstStyle/>
+          <a:p>
+            <a:r>
+              <a:rPr lang="de-CH" smtClean="0"/>
+              <a:t>+</a:t>
+            </a:r>
+            <a:endParaRPr lang="de-CH"/>
+          </a:p>
+        </p:txBody>
+      </p:sp>
     </p:spTree>
     <p:extLst>
       <p:ext uri="{BB962C8B-B14F-4D97-AF65-F5344CB8AC3E}">
@@ -5298,6 +5391,1594 @@
 </file>
 
 <file path=ppt/slides/slide11.xml><?xml version="1.0" encoding="utf-8"?>
+<p:sld xmlns:a="http://schemas.openxmlformats.org/drawingml/2006/main" xmlns:r="http://schemas.openxmlformats.org/officeDocument/2006/relationships" xmlns:p="http://schemas.openxmlformats.org/presentationml/2006/main">
+  <p:cSld>
+    <p:spTree>
+      <p:nvGrpSpPr>
+        <p:cNvPr id="1" name=""/>
+        <p:cNvGrpSpPr/>
+        <p:nvPr/>
+      </p:nvGrpSpPr>
+      <p:grpSpPr>
+        <a:xfrm>
+          <a:off x="0" y="0"/>
+          <a:ext cx="0" cy="0"/>
+          <a:chOff x="0" y="0"/>
+          <a:chExt cx="0" cy="0"/>
+        </a:xfrm>
+      </p:grpSpPr>
+      <p:cxnSp>
+        <p:nvCxnSpPr>
+          <p:cNvPr id="5" name="Straight Connector 4"/>
+          <p:cNvCxnSpPr/>
+          <p:nvPr/>
+        </p:nvCxnSpPr>
+        <p:spPr>
+          <a:xfrm>
+            <a:off x="525020" y="3429000"/>
+            <a:ext cx="7848872" cy="0"/>
+          </a:xfrm>
+          <a:prstGeom prst="line">
+            <a:avLst/>
+          </a:prstGeom>
+          <a:ln w="38100">
+            <a:solidFill>
+              <a:schemeClr val="bg1">
+                <a:lumMod val="65000"/>
+              </a:schemeClr>
+            </a:solidFill>
+            <a:prstDash val="sysDash"/>
+          </a:ln>
+        </p:spPr>
+        <p:style>
+          <a:lnRef idx="1">
+            <a:schemeClr val="accent1"/>
+          </a:lnRef>
+          <a:fillRef idx="0">
+            <a:schemeClr val="accent1"/>
+          </a:fillRef>
+          <a:effectRef idx="0">
+            <a:schemeClr val="accent1"/>
+          </a:effectRef>
+          <a:fontRef idx="minor">
+            <a:schemeClr val="tx1"/>
+          </a:fontRef>
+        </p:style>
+      </p:cxnSp>
+      <p:cxnSp>
+        <p:nvCxnSpPr>
+          <p:cNvPr id="19" name="Straight Arrow Connector 18"/>
+          <p:cNvCxnSpPr/>
+          <p:nvPr/>
+        </p:nvCxnSpPr>
+        <p:spPr>
+          <a:xfrm flipV="1">
+            <a:off x="2107104" y="1570514"/>
+            <a:ext cx="1067056" cy="2"/>
+          </a:xfrm>
+          <a:prstGeom prst="straightConnector1">
+            <a:avLst/>
+          </a:prstGeom>
+          <a:ln w="50800">
+            <a:solidFill>
+              <a:schemeClr val="tx1"/>
+            </a:solidFill>
+            <a:tailEnd type="triangle"/>
+          </a:ln>
+        </p:spPr>
+        <p:style>
+          <a:lnRef idx="1">
+            <a:schemeClr val="accent1"/>
+          </a:lnRef>
+          <a:fillRef idx="0">
+            <a:schemeClr val="accent1"/>
+          </a:fillRef>
+          <a:effectRef idx="0">
+            <a:schemeClr val="accent1"/>
+          </a:effectRef>
+          <a:fontRef idx="minor">
+            <a:schemeClr val="tx1"/>
+          </a:fontRef>
+        </p:style>
+      </p:cxnSp>
+      <p:pic>
+        <p:nvPicPr>
+          <p:cNvPr id="13" name="Picture 9"/>
+          <p:cNvPicPr>
+            <a:picLocks noChangeAspect="1" noChangeArrowheads="1"/>
+          </p:cNvPicPr>
+          <p:nvPr/>
+        </p:nvPicPr>
+        <p:blipFill>
+          <a:blip r:embed="rId2" cstate="print">
+            <a:extLst>
+              <a:ext uri="{28A0092B-C50C-407E-A947-70E740481C1C}">
+                <a14:useLocalDpi xmlns:a14="http://schemas.microsoft.com/office/drawing/2010/main" val="0"/>
+              </a:ext>
+            </a:extLst>
+          </a:blip>
+          <a:srcRect/>
+          <a:stretch>
+            <a:fillRect/>
+          </a:stretch>
+        </p:blipFill>
+        <p:spPr bwMode="auto">
+          <a:xfrm>
+            <a:off x="1411806" y="520059"/>
+            <a:ext cx="418755" cy="617946"/>
+          </a:xfrm>
+          <a:prstGeom prst="rect">
+            <a:avLst/>
+          </a:prstGeom>
+          <a:noFill/>
+          <a:ln>
+            <a:noFill/>
+          </a:ln>
+          <a:extLst>
+            <a:ext uri="{909E8E84-426E-40DD-AFC4-6F175D3DCCD1}">
+              <a14:hiddenFill xmlns:a14="http://schemas.microsoft.com/office/drawing/2010/main">
+                <a:solidFill>
+                  <a:schemeClr val="accent1"/>
+                </a:solidFill>
+              </a14:hiddenFill>
+            </a:ext>
+            <a:ext uri="{91240B29-F687-4F45-9708-019B960494DF}">
+              <a14:hiddenLine xmlns:a14="http://schemas.microsoft.com/office/drawing/2010/main" w="9525">
+                <a:solidFill>
+                  <a:schemeClr val="tx1"/>
+                </a:solidFill>
+                <a:miter lim="800000"/>
+                <a:headEnd/>
+                <a:tailEnd/>
+              </a14:hiddenLine>
+            </a:ext>
+          </a:extLst>
+        </p:spPr>
+      </p:pic>
+      <p:pic>
+        <p:nvPicPr>
+          <p:cNvPr id="14" name="Picture 11" descr="http://a.rgbimg.com/cache1n8lEo/users/j/ja/jazza/300/2djsV4n.jpg"/>
+          <p:cNvPicPr>
+            <a:picLocks noChangeAspect="1" noChangeArrowheads="1"/>
+          </p:cNvPicPr>
+          <p:nvPr/>
+        </p:nvPicPr>
+        <p:blipFill>
+          <a:blip r:embed="rId3" cstate="print">
+            <a:extLst>
+              <a:ext uri="{28A0092B-C50C-407E-A947-70E740481C1C}">
+                <a14:useLocalDpi xmlns:a14="http://schemas.microsoft.com/office/drawing/2010/main" val="0"/>
+              </a:ext>
+            </a:extLst>
+          </a:blip>
+          <a:srcRect/>
+          <a:stretch>
+            <a:fillRect/>
+          </a:stretch>
+        </p:blipFill>
+        <p:spPr bwMode="auto">
+          <a:xfrm>
+            <a:off x="1272691" y="1167432"/>
+            <a:ext cx="669314" cy="499755"/>
+          </a:xfrm>
+          <a:prstGeom prst="rect">
+            <a:avLst/>
+          </a:prstGeom>
+          <a:noFill/>
+          <a:extLst>
+            <a:ext uri="{909E8E84-426E-40DD-AFC4-6F175D3DCCD1}">
+              <a14:hiddenFill xmlns:a14="http://schemas.microsoft.com/office/drawing/2010/main">
+                <a:solidFill>
+                  <a:srgbClr val="FFFFFF"/>
+                </a:solidFill>
+              </a14:hiddenFill>
+            </a:ext>
+          </a:extLst>
+        </p:spPr>
+      </p:pic>
+      <p:pic>
+        <p:nvPicPr>
+          <p:cNvPr id="16" name="Picture 13" descr="https://c2.staticflickr.com/4/3676/11523219954_31c7d2bf76_b.jpg"/>
+          <p:cNvPicPr>
+            <a:picLocks noChangeAspect="1" noChangeArrowheads="1"/>
+          </p:cNvPicPr>
+          <p:nvPr/>
+        </p:nvPicPr>
+        <p:blipFill>
+          <a:blip r:embed="rId4" cstate="print">
+            <a:extLst>
+              <a:ext uri="{28A0092B-C50C-407E-A947-70E740481C1C}">
+                <a14:useLocalDpi xmlns:a14="http://schemas.microsoft.com/office/drawing/2010/main" val="0"/>
+              </a:ext>
+            </a:extLst>
+          </a:blip>
+          <a:srcRect/>
+          <a:stretch>
+            <a:fillRect/>
+          </a:stretch>
+        </p:blipFill>
+        <p:spPr bwMode="auto">
+          <a:xfrm>
+            <a:off x="1272691" y="1700721"/>
+            <a:ext cx="696986" cy="465565"/>
+          </a:xfrm>
+          <a:prstGeom prst="rect">
+            <a:avLst/>
+          </a:prstGeom>
+          <a:noFill/>
+          <a:extLst>
+            <a:ext uri="{909E8E84-426E-40DD-AFC4-6F175D3DCCD1}">
+              <a14:hiddenFill xmlns:a14="http://schemas.microsoft.com/office/drawing/2010/main">
+                <a:solidFill>
+                  <a:srgbClr val="FFFFFF"/>
+                </a:solidFill>
+              </a14:hiddenFill>
+            </a:ext>
+          </a:extLst>
+        </p:spPr>
+      </p:pic>
+      <p:pic>
+        <p:nvPicPr>
+          <p:cNvPr id="17" name="Picture 15" descr="http://images.clipartpanda.com/round-clipart-white-round-md.png"/>
+          <p:cNvPicPr>
+            <a:picLocks noChangeAspect="1" noChangeArrowheads="1"/>
+          </p:cNvPicPr>
+          <p:nvPr/>
+        </p:nvPicPr>
+        <p:blipFill>
+          <a:blip r:embed="rId5" cstate="print">
+            <a:extLst>
+              <a:ext uri="{28A0092B-C50C-407E-A947-70E740481C1C}">
+                <a14:useLocalDpi xmlns:a14="http://schemas.microsoft.com/office/drawing/2010/main" val="0"/>
+              </a:ext>
+            </a:extLst>
+          </a:blip>
+          <a:srcRect/>
+          <a:stretch>
+            <a:fillRect/>
+          </a:stretch>
+        </p:blipFill>
+        <p:spPr bwMode="auto">
+          <a:xfrm>
+            <a:off x="1316384" y="2219543"/>
+            <a:ext cx="502688" cy="502688"/>
+          </a:xfrm>
+          <a:prstGeom prst="rect">
+            <a:avLst/>
+          </a:prstGeom>
+          <a:noFill/>
+          <a:extLst>
+            <a:ext uri="{909E8E84-426E-40DD-AFC4-6F175D3DCCD1}">
+              <a14:hiddenFill xmlns:a14="http://schemas.microsoft.com/office/drawing/2010/main">
+                <a:solidFill>
+                  <a:srgbClr val="FFFFFF"/>
+                </a:solidFill>
+              </a14:hiddenFill>
+            </a:ext>
+          </a:extLst>
+        </p:spPr>
+      </p:pic>
+      <p:sp>
+        <p:nvSpPr>
+          <p:cNvPr id="18" name="Rounded Rectangle 17"/>
+          <p:cNvSpPr/>
+          <p:nvPr/>
+        </p:nvSpPr>
+        <p:spPr>
+          <a:xfrm>
+            <a:off x="1115616" y="321717"/>
+            <a:ext cx="991488" cy="2497597"/>
+          </a:xfrm>
+          <a:prstGeom prst="roundRect">
+            <a:avLst/>
+          </a:prstGeom>
+          <a:noFill/>
+          <a:ln>
+            <a:solidFill>
+              <a:schemeClr val="tx1"/>
+            </a:solidFill>
+          </a:ln>
+        </p:spPr>
+        <p:style>
+          <a:lnRef idx="2">
+            <a:schemeClr val="accent1">
+              <a:shade val="50000"/>
+            </a:schemeClr>
+          </a:lnRef>
+          <a:fillRef idx="1">
+            <a:schemeClr val="accent1"/>
+          </a:fillRef>
+          <a:effectRef idx="0">
+            <a:schemeClr val="accent1"/>
+          </a:effectRef>
+          <a:fontRef idx="minor">
+            <a:schemeClr val="lt1"/>
+          </a:fontRef>
+        </p:style>
+        <p:txBody>
+          <a:bodyPr rtlCol="0" anchor="ctr"/>
+          <a:lstStyle/>
+          <a:p>
+            <a:pPr algn="ctr"/>
+            <a:endParaRPr lang="de-CH">
+              <a:solidFill>
+                <a:schemeClr val="tx1"/>
+              </a:solidFill>
+              <a:latin typeface="Arial" panose="020B0604020202020204" pitchFamily="34" charset="0"/>
+              <a:cs typeface="Arial" panose="020B0604020202020204" pitchFamily="34" charset="0"/>
+            </a:endParaRPr>
+          </a:p>
+        </p:txBody>
+      </p:sp>
+      <p:pic>
+        <p:nvPicPr>
+          <p:cNvPr id="20" name="Picture 9"/>
+          <p:cNvPicPr>
+            <a:picLocks noChangeAspect="1" noChangeArrowheads="1"/>
+          </p:cNvPicPr>
+          <p:nvPr/>
+        </p:nvPicPr>
+        <p:blipFill>
+          <a:blip r:embed="rId6" cstate="print">
+            <a:extLst>
+              <a:ext uri="{28A0092B-C50C-407E-A947-70E740481C1C}">
+                <a14:useLocalDpi xmlns:a14="http://schemas.microsoft.com/office/drawing/2010/main" val="0"/>
+              </a:ext>
+            </a:extLst>
+          </a:blip>
+          <a:srcRect/>
+          <a:stretch>
+            <a:fillRect/>
+          </a:stretch>
+        </p:blipFill>
+        <p:spPr bwMode="auto">
+          <a:xfrm>
+            <a:off x="5300238" y="520058"/>
+            <a:ext cx="418755" cy="617946"/>
+          </a:xfrm>
+          <a:prstGeom prst="rect">
+            <a:avLst/>
+          </a:prstGeom>
+          <a:noFill/>
+          <a:ln>
+            <a:noFill/>
+          </a:ln>
+          <a:extLst>
+            <a:ext uri="{909E8E84-426E-40DD-AFC4-6F175D3DCCD1}">
+              <a14:hiddenFill xmlns:a14="http://schemas.microsoft.com/office/drawing/2010/main">
+                <a:solidFill>
+                  <a:schemeClr val="accent1"/>
+                </a:solidFill>
+              </a14:hiddenFill>
+            </a:ext>
+            <a:ext uri="{91240B29-F687-4F45-9708-019B960494DF}">
+              <a14:hiddenLine xmlns:a14="http://schemas.microsoft.com/office/drawing/2010/main" w="9525">
+                <a:solidFill>
+                  <a:schemeClr val="tx1"/>
+                </a:solidFill>
+                <a:miter lim="800000"/>
+                <a:headEnd/>
+                <a:tailEnd/>
+              </a14:hiddenLine>
+            </a:ext>
+          </a:extLst>
+        </p:spPr>
+      </p:pic>
+      <p:pic>
+        <p:nvPicPr>
+          <p:cNvPr id="21" name="Picture 11" descr="http://a.rgbimg.com/cache1n8lEo/users/j/ja/jazza/300/2djsV4n.jpg"/>
+          <p:cNvPicPr>
+            <a:picLocks noChangeAspect="1" noChangeArrowheads="1"/>
+          </p:cNvPicPr>
+          <p:nvPr/>
+        </p:nvPicPr>
+        <p:blipFill>
+          <a:blip r:embed="rId3" cstate="print">
+            <a:extLst>
+              <a:ext uri="{28A0092B-C50C-407E-A947-70E740481C1C}">
+                <a14:useLocalDpi xmlns:a14="http://schemas.microsoft.com/office/drawing/2010/main" val="0"/>
+              </a:ext>
+            </a:extLst>
+          </a:blip>
+          <a:srcRect/>
+          <a:stretch>
+            <a:fillRect/>
+          </a:stretch>
+        </p:blipFill>
+        <p:spPr bwMode="auto">
+          <a:xfrm>
+            <a:off x="5161123" y="1167431"/>
+            <a:ext cx="669314" cy="499755"/>
+          </a:xfrm>
+          <a:prstGeom prst="rect">
+            <a:avLst/>
+          </a:prstGeom>
+          <a:noFill/>
+          <a:extLst>
+            <a:ext uri="{909E8E84-426E-40DD-AFC4-6F175D3DCCD1}">
+              <a14:hiddenFill xmlns:a14="http://schemas.microsoft.com/office/drawing/2010/main">
+                <a:solidFill>
+                  <a:srgbClr val="FFFFFF"/>
+                </a:solidFill>
+              </a14:hiddenFill>
+            </a:ext>
+          </a:extLst>
+        </p:spPr>
+      </p:pic>
+      <p:pic>
+        <p:nvPicPr>
+          <p:cNvPr id="22" name="Picture 13" descr="https://c2.staticflickr.com/4/3676/11523219954_31c7d2bf76_b.jpg"/>
+          <p:cNvPicPr>
+            <a:picLocks noChangeAspect="1" noChangeArrowheads="1"/>
+          </p:cNvPicPr>
+          <p:nvPr/>
+        </p:nvPicPr>
+        <p:blipFill>
+          <a:blip r:embed="rId4" cstate="print">
+            <a:extLst>
+              <a:ext uri="{28A0092B-C50C-407E-A947-70E740481C1C}">
+                <a14:useLocalDpi xmlns:a14="http://schemas.microsoft.com/office/drawing/2010/main" val="0"/>
+              </a:ext>
+            </a:extLst>
+          </a:blip>
+          <a:srcRect/>
+          <a:stretch>
+            <a:fillRect/>
+          </a:stretch>
+        </p:blipFill>
+        <p:spPr bwMode="auto">
+          <a:xfrm>
+            <a:off x="5161123" y="1700720"/>
+            <a:ext cx="696986" cy="465565"/>
+          </a:xfrm>
+          <a:prstGeom prst="rect">
+            <a:avLst/>
+          </a:prstGeom>
+          <a:noFill/>
+          <a:extLst>
+            <a:ext uri="{909E8E84-426E-40DD-AFC4-6F175D3DCCD1}">
+              <a14:hiddenFill xmlns:a14="http://schemas.microsoft.com/office/drawing/2010/main">
+                <a:solidFill>
+                  <a:srgbClr val="FFFFFF"/>
+                </a:solidFill>
+              </a14:hiddenFill>
+            </a:ext>
+          </a:extLst>
+        </p:spPr>
+      </p:pic>
+      <p:pic>
+        <p:nvPicPr>
+          <p:cNvPr id="23" name="Picture 15" descr="http://images.clipartpanda.com/round-clipart-white-round-md.png"/>
+          <p:cNvPicPr>
+            <a:picLocks noChangeAspect="1" noChangeArrowheads="1"/>
+          </p:cNvPicPr>
+          <p:nvPr/>
+        </p:nvPicPr>
+        <p:blipFill>
+          <a:blip r:embed="rId5" cstate="print">
+            <a:extLst>
+              <a:ext uri="{28A0092B-C50C-407E-A947-70E740481C1C}">
+                <a14:useLocalDpi xmlns:a14="http://schemas.microsoft.com/office/drawing/2010/main" val="0"/>
+              </a:ext>
+            </a:extLst>
+          </a:blip>
+          <a:srcRect/>
+          <a:stretch>
+            <a:fillRect/>
+          </a:stretch>
+        </p:blipFill>
+        <p:spPr bwMode="auto">
+          <a:xfrm>
+            <a:off x="5204816" y="2219542"/>
+            <a:ext cx="502688" cy="502688"/>
+          </a:xfrm>
+          <a:prstGeom prst="rect">
+            <a:avLst/>
+          </a:prstGeom>
+          <a:noFill/>
+          <a:extLst>
+            <a:ext uri="{909E8E84-426E-40DD-AFC4-6F175D3DCCD1}">
+              <a14:hiddenFill xmlns:a14="http://schemas.microsoft.com/office/drawing/2010/main">
+                <a:solidFill>
+                  <a:srgbClr val="FFFFFF"/>
+                </a:solidFill>
+              </a14:hiddenFill>
+            </a:ext>
+          </a:extLst>
+        </p:spPr>
+      </p:pic>
+      <p:sp>
+        <p:nvSpPr>
+          <p:cNvPr id="24" name="Rounded Rectangle 23"/>
+          <p:cNvSpPr/>
+          <p:nvPr/>
+        </p:nvSpPr>
+        <p:spPr>
+          <a:xfrm>
+            <a:off x="5152007" y="320905"/>
+            <a:ext cx="991488" cy="2497597"/>
+          </a:xfrm>
+          <a:prstGeom prst="roundRect">
+            <a:avLst/>
+          </a:prstGeom>
+          <a:noFill/>
+          <a:ln>
+            <a:solidFill>
+              <a:schemeClr val="tx1"/>
+            </a:solidFill>
+          </a:ln>
+        </p:spPr>
+        <p:style>
+          <a:lnRef idx="2">
+            <a:schemeClr val="accent1">
+              <a:shade val="50000"/>
+            </a:schemeClr>
+          </a:lnRef>
+          <a:fillRef idx="1">
+            <a:schemeClr val="accent1"/>
+          </a:fillRef>
+          <a:effectRef idx="0">
+            <a:schemeClr val="accent1"/>
+          </a:effectRef>
+          <a:fontRef idx="minor">
+            <a:schemeClr val="lt1"/>
+          </a:fontRef>
+        </p:style>
+        <p:txBody>
+          <a:bodyPr rtlCol="0" anchor="ctr"/>
+          <a:lstStyle/>
+          <a:p>
+            <a:pPr algn="ctr"/>
+            <a:endParaRPr lang="de-CH">
+              <a:solidFill>
+                <a:schemeClr val="tx1"/>
+              </a:solidFill>
+              <a:latin typeface="Arial" panose="020B0604020202020204" pitchFamily="34" charset="0"/>
+              <a:cs typeface="Arial" panose="020B0604020202020204" pitchFamily="34" charset="0"/>
+            </a:endParaRPr>
+          </a:p>
+        </p:txBody>
+      </p:sp>
+      <p:pic>
+        <p:nvPicPr>
+          <p:cNvPr id="25" name="Picture 9"/>
+          <p:cNvPicPr>
+            <a:picLocks noChangeAspect="1" noChangeArrowheads="1"/>
+          </p:cNvPicPr>
+          <p:nvPr/>
+        </p:nvPicPr>
+        <p:blipFill>
+          <a:blip r:embed="rId2" cstate="print">
+            <a:extLst>
+              <a:ext uri="{28A0092B-C50C-407E-A947-70E740481C1C}">
+                <a14:useLocalDpi xmlns:a14="http://schemas.microsoft.com/office/drawing/2010/main" val="0"/>
+              </a:ext>
+            </a:extLst>
+          </a:blip>
+          <a:srcRect/>
+          <a:stretch>
+            <a:fillRect/>
+          </a:stretch>
+        </p:blipFill>
+        <p:spPr bwMode="auto">
+          <a:xfrm>
+            <a:off x="3454154" y="519251"/>
+            <a:ext cx="418755" cy="617946"/>
+          </a:xfrm>
+          <a:prstGeom prst="rect">
+            <a:avLst/>
+          </a:prstGeom>
+          <a:noFill/>
+          <a:ln>
+            <a:noFill/>
+          </a:ln>
+          <a:extLst>
+            <a:ext uri="{909E8E84-426E-40DD-AFC4-6F175D3DCCD1}">
+              <a14:hiddenFill xmlns:a14="http://schemas.microsoft.com/office/drawing/2010/main">
+                <a:solidFill>
+                  <a:schemeClr val="accent1"/>
+                </a:solidFill>
+              </a14:hiddenFill>
+            </a:ext>
+            <a:ext uri="{91240B29-F687-4F45-9708-019B960494DF}">
+              <a14:hiddenLine xmlns:a14="http://schemas.microsoft.com/office/drawing/2010/main" w="9525">
+                <a:solidFill>
+                  <a:schemeClr val="tx1"/>
+                </a:solidFill>
+                <a:miter lim="800000"/>
+                <a:headEnd/>
+                <a:tailEnd/>
+              </a14:hiddenLine>
+            </a:ext>
+          </a:extLst>
+        </p:spPr>
+      </p:pic>
+      <p:pic>
+        <p:nvPicPr>
+          <p:cNvPr id="26" name="Picture 11" descr="http://a.rgbimg.com/cache1n8lEo/users/j/ja/jazza/300/2djsV4n.jpg"/>
+          <p:cNvPicPr>
+            <a:picLocks noChangeAspect="1" noChangeArrowheads="1"/>
+          </p:cNvPicPr>
+          <p:nvPr/>
+        </p:nvPicPr>
+        <p:blipFill>
+          <a:blip r:embed="rId3" cstate="print">
+            <a:extLst>
+              <a:ext uri="{28A0092B-C50C-407E-A947-70E740481C1C}">
+                <a14:useLocalDpi xmlns:a14="http://schemas.microsoft.com/office/drawing/2010/main" val="0"/>
+              </a:ext>
+            </a:extLst>
+          </a:blip>
+          <a:srcRect/>
+          <a:stretch>
+            <a:fillRect/>
+          </a:stretch>
+        </p:blipFill>
+        <p:spPr bwMode="auto">
+          <a:xfrm>
+            <a:off x="3315039" y="1166624"/>
+            <a:ext cx="669314" cy="499755"/>
+          </a:xfrm>
+          <a:prstGeom prst="rect">
+            <a:avLst/>
+          </a:prstGeom>
+          <a:noFill/>
+          <a:extLst>
+            <a:ext uri="{909E8E84-426E-40DD-AFC4-6F175D3DCCD1}">
+              <a14:hiddenFill xmlns:a14="http://schemas.microsoft.com/office/drawing/2010/main">
+                <a:solidFill>
+                  <a:srgbClr val="FFFFFF"/>
+                </a:solidFill>
+              </a14:hiddenFill>
+            </a:ext>
+          </a:extLst>
+        </p:spPr>
+      </p:pic>
+      <p:pic>
+        <p:nvPicPr>
+          <p:cNvPr id="27" name="Picture 13" descr="https://c2.staticflickr.com/4/3676/11523219954_31c7d2bf76_b.jpg"/>
+          <p:cNvPicPr>
+            <a:picLocks noChangeAspect="1" noChangeArrowheads="1"/>
+          </p:cNvPicPr>
+          <p:nvPr/>
+        </p:nvPicPr>
+        <p:blipFill>
+          <a:blip r:embed="rId4" cstate="print">
+            <a:extLst>
+              <a:ext uri="{28A0092B-C50C-407E-A947-70E740481C1C}">
+                <a14:useLocalDpi xmlns:a14="http://schemas.microsoft.com/office/drawing/2010/main" val="0"/>
+              </a:ext>
+            </a:extLst>
+          </a:blip>
+          <a:srcRect/>
+          <a:stretch>
+            <a:fillRect/>
+          </a:stretch>
+        </p:blipFill>
+        <p:spPr bwMode="auto">
+          <a:xfrm>
+            <a:off x="3315039" y="1699913"/>
+            <a:ext cx="696986" cy="465565"/>
+          </a:xfrm>
+          <a:prstGeom prst="rect">
+            <a:avLst/>
+          </a:prstGeom>
+          <a:noFill/>
+          <a:extLst>
+            <a:ext uri="{909E8E84-426E-40DD-AFC4-6F175D3DCCD1}">
+              <a14:hiddenFill xmlns:a14="http://schemas.microsoft.com/office/drawing/2010/main">
+                <a:solidFill>
+                  <a:srgbClr val="FFFFFF"/>
+                </a:solidFill>
+              </a14:hiddenFill>
+            </a:ext>
+          </a:extLst>
+        </p:spPr>
+      </p:pic>
+      <p:pic>
+        <p:nvPicPr>
+          <p:cNvPr id="28" name="Picture 15" descr="http://images.clipartpanda.com/round-clipart-white-round-md.png"/>
+          <p:cNvPicPr>
+            <a:picLocks noChangeAspect="1" noChangeArrowheads="1"/>
+          </p:cNvPicPr>
+          <p:nvPr/>
+        </p:nvPicPr>
+        <p:blipFill>
+          <a:blip r:embed="rId5" cstate="print">
+            <a:extLst>
+              <a:ext uri="{28A0092B-C50C-407E-A947-70E740481C1C}">
+                <a14:useLocalDpi xmlns:a14="http://schemas.microsoft.com/office/drawing/2010/main" val="0"/>
+              </a:ext>
+            </a:extLst>
+          </a:blip>
+          <a:srcRect/>
+          <a:stretch>
+            <a:fillRect/>
+          </a:stretch>
+        </p:blipFill>
+        <p:spPr bwMode="auto">
+          <a:xfrm>
+            <a:off x="3358732" y="2218735"/>
+            <a:ext cx="502688" cy="502688"/>
+          </a:xfrm>
+          <a:prstGeom prst="rect">
+            <a:avLst/>
+          </a:prstGeom>
+          <a:noFill/>
+          <a:extLst>
+            <a:ext uri="{909E8E84-426E-40DD-AFC4-6F175D3DCCD1}">
+              <a14:hiddenFill xmlns:a14="http://schemas.microsoft.com/office/drawing/2010/main">
+                <a:solidFill>
+                  <a:srgbClr val="FFFFFF"/>
+                </a:solidFill>
+              </a14:hiddenFill>
+            </a:ext>
+          </a:extLst>
+        </p:spPr>
+      </p:pic>
+      <p:sp>
+        <p:nvSpPr>
+          <p:cNvPr id="29" name="Rounded Rectangle 28"/>
+          <p:cNvSpPr/>
+          <p:nvPr/>
+        </p:nvSpPr>
+        <p:spPr>
+          <a:xfrm>
+            <a:off x="3157964" y="320909"/>
+            <a:ext cx="991488" cy="2497597"/>
+          </a:xfrm>
+          <a:prstGeom prst="roundRect">
+            <a:avLst/>
+          </a:prstGeom>
+          <a:noFill/>
+          <a:ln>
+            <a:solidFill>
+              <a:schemeClr val="tx1"/>
+            </a:solidFill>
+          </a:ln>
+        </p:spPr>
+        <p:style>
+          <a:lnRef idx="2">
+            <a:schemeClr val="accent1">
+              <a:shade val="50000"/>
+            </a:schemeClr>
+          </a:lnRef>
+          <a:fillRef idx="1">
+            <a:schemeClr val="accent1"/>
+          </a:fillRef>
+          <a:effectRef idx="0">
+            <a:schemeClr val="accent1"/>
+          </a:effectRef>
+          <a:fontRef idx="minor">
+            <a:schemeClr val="lt1"/>
+          </a:fontRef>
+        </p:style>
+        <p:txBody>
+          <a:bodyPr rtlCol="0" anchor="ctr"/>
+          <a:lstStyle/>
+          <a:p>
+            <a:pPr algn="ctr"/>
+            <a:endParaRPr lang="de-CH">
+              <a:solidFill>
+                <a:schemeClr val="tx1"/>
+              </a:solidFill>
+              <a:latin typeface="Arial" panose="020B0604020202020204" pitchFamily="34" charset="0"/>
+              <a:cs typeface="Arial" panose="020B0604020202020204" pitchFamily="34" charset="0"/>
+            </a:endParaRPr>
+          </a:p>
+        </p:txBody>
+      </p:sp>
+      <p:cxnSp>
+        <p:nvCxnSpPr>
+          <p:cNvPr id="30" name="Straight Arrow Connector 29"/>
+          <p:cNvCxnSpPr/>
+          <p:nvPr/>
+        </p:nvCxnSpPr>
+        <p:spPr>
+          <a:xfrm flipV="1">
+            <a:off x="4146303" y="1569704"/>
+            <a:ext cx="1067056" cy="2"/>
+          </a:xfrm>
+          <a:prstGeom prst="straightConnector1">
+            <a:avLst/>
+          </a:prstGeom>
+          <a:ln w="50800">
+            <a:solidFill>
+              <a:schemeClr val="tx1"/>
+            </a:solidFill>
+            <a:tailEnd type="triangle"/>
+          </a:ln>
+        </p:spPr>
+        <p:style>
+          <a:lnRef idx="1">
+            <a:schemeClr val="accent1"/>
+          </a:lnRef>
+          <a:fillRef idx="0">
+            <a:schemeClr val="accent1"/>
+          </a:fillRef>
+          <a:effectRef idx="0">
+            <a:schemeClr val="accent1"/>
+          </a:effectRef>
+          <a:fontRef idx="minor">
+            <a:schemeClr val="tx1"/>
+          </a:fontRef>
+        </p:style>
+      </p:cxnSp>
+      <p:pic>
+        <p:nvPicPr>
+          <p:cNvPr id="31" name="Picture 9"/>
+          <p:cNvPicPr>
+            <a:picLocks noChangeAspect="1" noChangeArrowheads="1"/>
+          </p:cNvPicPr>
+          <p:nvPr/>
+        </p:nvPicPr>
+        <p:blipFill>
+          <a:blip r:embed="rId2" cstate="print">
+            <a:extLst>
+              <a:ext uri="{28A0092B-C50C-407E-A947-70E740481C1C}">
+                <a14:useLocalDpi xmlns:a14="http://schemas.microsoft.com/office/drawing/2010/main" val="0"/>
+              </a:ext>
+            </a:extLst>
+          </a:blip>
+          <a:srcRect/>
+          <a:stretch>
+            <a:fillRect/>
+          </a:stretch>
+        </p:blipFill>
+        <p:spPr bwMode="auto">
+          <a:xfrm>
+            <a:off x="7481709" y="520059"/>
+            <a:ext cx="418755" cy="617946"/>
+          </a:xfrm>
+          <a:prstGeom prst="rect">
+            <a:avLst/>
+          </a:prstGeom>
+          <a:noFill/>
+          <a:ln>
+            <a:noFill/>
+          </a:ln>
+          <a:extLst>
+            <a:ext uri="{909E8E84-426E-40DD-AFC4-6F175D3DCCD1}">
+              <a14:hiddenFill xmlns:a14="http://schemas.microsoft.com/office/drawing/2010/main">
+                <a:solidFill>
+                  <a:schemeClr val="accent1"/>
+                </a:solidFill>
+              </a14:hiddenFill>
+            </a:ext>
+            <a:ext uri="{91240B29-F687-4F45-9708-019B960494DF}">
+              <a14:hiddenLine xmlns:a14="http://schemas.microsoft.com/office/drawing/2010/main" w="9525">
+                <a:solidFill>
+                  <a:schemeClr val="tx1"/>
+                </a:solidFill>
+                <a:miter lim="800000"/>
+                <a:headEnd/>
+                <a:tailEnd/>
+              </a14:hiddenLine>
+            </a:ext>
+          </a:extLst>
+        </p:spPr>
+      </p:pic>
+      <p:pic>
+        <p:nvPicPr>
+          <p:cNvPr id="32" name="Picture 11" descr="http://a.rgbimg.com/cache1n8lEo/users/j/ja/jazza/300/2djsV4n.jpg"/>
+          <p:cNvPicPr>
+            <a:picLocks noChangeAspect="1" noChangeArrowheads="1"/>
+          </p:cNvPicPr>
+          <p:nvPr/>
+        </p:nvPicPr>
+        <p:blipFill>
+          <a:blip r:embed="rId3" cstate="print">
+            <a:extLst>
+              <a:ext uri="{28A0092B-C50C-407E-A947-70E740481C1C}">
+                <a14:useLocalDpi xmlns:a14="http://schemas.microsoft.com/office/drawing/2010/main" val="0"/>
+              </a:ext>
+            </a:extLst>
+          </a:blip>
+          <a:srcRect/>
+          <a:stretch>
+            <a:fillRect/>
+          </a:stretch>
+        </p:blipFill>
+        <p:spPr bwMode="auto">
+          <a:xfrm>
+            <a:off x="7342594" y="1167432"/>
+            <a:ext cx="669314" cy="499755"/>
+          </a:xfrm>
+          <a:prstGeom prst="rect">
+            <a:avLst/>
+          </a:prstGeom>
+          <a:noFill/>
+          <a:extLst>
+            <a:ext uri="{909E8E84-426E-40DD-AFC4-6F175D3DCCD1}">
+              <a14:hiddenFill xmlns:a14="http://schemas.microsoft.com/office/drawing/2010/main">
+                <a:solidFill>
+                  <a:srgbClr val="FFFFFF"/>
+                </a:solidFill>
+              </a14:hiddenFill>
+            </a:ext>
+          </a:extLst>
+        </p:spPr>
+      </p:pic>
+      <p:pic>
+        <p:nvPicPr>
+          <p:cNvPr id="33" name="Picture 13" descr="https://c2.staticflickr.com/4/3676/11523219954_31c7d2bf76_b.jpg"/>
+          <p:cNvPicPr>
+            <a:picLocks noChangeAspect="1" noChangeArrowheads="1"/>
+          </p:cNvPicPr>
+          <p:nvPr/>
+        </p:nvPicPr>
+        <p:blipFill>
+          <a:blip r:embed="rId4" cstate="print">
+            <a:extLst>
+              <a:ext uri="{28A0092B-C50C-407E-A947-70E740481C1C}">
+                <a14:useLocalDpi xmlns:a14="http://schemas.microsoft.com/office/drawing/2010/main" val="0"/>
+              </a:ext>
+            </a:extLst>
+          </a:blip>
+          <a:srcRect/>
+          <a:stretch>
+            <a:fillRect/>
+          </a:stretch>
+        </p:blipFill>
+        <p:spPr bwMode="auto">
+          <a:xfrm>
+            <a:off x="7342594" y="1700721"/>
+            <a:ext cx="696986" cy="465565"/>
+          </a:xfrm>
+          <a:prstGeom prst="rect">
+            <a:avLst/>
+          </a:prstGeom>
+          <a:noFill/>
+          <a:extLst>
+            <a:ext uri="{909E8E84-426E-40DD-AFC4-6F175D3DCCD1}">
+              <a14:hiddenFill xmlns:a14="http://schemas.microsoft.com/office/drawing/2010/main">
+                <a:solidFill>
+                  <a:srgbClr val="FFFFFF"/>
+                </a:solidFill>
+              </a14:hiddenFill>
+            </a:ext>
+          </a:extLst>
+        </p:spPr>
+      </p:pic>
+      <p:pic>
+        <p:nvPicPr>
+          <p:cNvPr id="34" name="Picture 15" descr="http://images.clipartpanda.com/round-clipart-white-round-md.png"/>
+          <p:cNvPicPr>
+            <a:picLocks noChangeAspect="1" noChangeArrowheads="1"/>
+          </p:cNvPicPr>
+          <p:nvPr/>
+        </p:nvPicPr>
+        <p:blipFill>
+          <a:blip r:embed="rId5" cstate="print">
+            <a:extLst>
+              <a:ext uri="{28A0092B-C50C-407E-A947-70E740481C1C}">
+                <a14:useLocalDpi xmlns:a14="http://schemas.microsoft.com/office/drawing/2010/main" val="0"/>
+              </a:ext>
+            </a:extLst>
+          </a:blip>
+          <a:srcRect/>
+          <a:stretch>
+            <a:fillRect/>
+          </a:stretch>
+        </p:blipFill>
+        <p:spPr bwMode="auto">
+          <a:xfrm>
+            <a:off x="7386287" y="2219543"/>
+            <a:ext cx="502688" cy="502688"/>
+          </a:xfrm>
+          <a:prstGeom prst="rect">
+            <a:avLst/>
+          </a:prstGeom>
+          <a:noFill/>
+          <a:extLst>
+            <a:ext uri="{909E8E84-426E-40DD-AFC4-6F175D3DCCD1}">
+              <a14:hiddenFill xmlns:a14="http://schemas.microsoft.com/office/drawing/2010/main">
+                <a:solidFill>
+                  <a:srgbClr val="FFFFFF"/>
+                </a:solidFill>
+              </a14:hiddenFill>
+            </a:ext>
+          </a:extLst>
+        </p:spPr>
+      </p:pic>
+      <p:sp>
+        <p:nvSpPr>
+          <p:cNvPr id="35" name="Rounded Rectangle 34"/>
+          <p:cNvSpPr/>
+          <p:nvPr/>
+        </p:nvSpPr>
+        <p:spPr>
+          <a:xfrm>
+            <a:off x="7185519" y="321717"/>
+            <a:ext cx="991488" cy="2497597"/>
+          </a:xfrm>
+          <a:prstGeom prst="roundRect">
+            <a:avLst/>
+          </a:prstGeom>
+          <a:noFill/>
+          <a:ln>
+            <a:solidFill>
+              <a:schemeClr val="tx1"/>
+            </a:solidFill>
+          </a:ln>
+        </p:spPr>
+        <p:style>
+          <a:lnRef idx="2">
+            <a:schemeClr val="accent1">
+              <a:shade val="50000"/>
+            </a:schemeClr>
+          </a:lnRef>
+          <a:fillRef idx="1">
+            <a:schemeClr val="accent1"/>
+          </a:fillRef>
+          <a:effectRef idx="0">
+            <a:schemeClr val="accent1"/>
+          </a:effectRef>
+          <a:fontRef idx="minor">
+            <a:schemeClr val="lt1"/>
+          </a:fontRef>
+        </p:style>
+        <p:txBody>
+          <a:bodyPr rtlCol="0" anchor="ctr"/>
+          <a:lstStyle/>
+          <a:p>
+            <a:pPr algn="ctr"/>
+            <a:endParaRPr lang="de-CH">
+              <a:solidFill>
+                <a:schemeClr val="tx1"/>
+              </a:solidFill>
+              <a:latin typeface="Arial" panose="020B0604020202020204" pitchFamily="34" charset="0"/>
+              <a:cs typeface="Arial" panose="020B0604020202020204" pitchFamily="34" charset="0"/>
+            </a:endParaRPr>
+          </a:p>
+        </p:txBody>
+      </p:sp>
+      <p:cxnSp>
+        <p:nvCxnSpPr>
+          <p:cNvPr id="36" name="Straight Arrow Connector 35"/>
+          <p:cNvCxnSpPr/>
+          <p:nvPr/>
+        </p:nvCxnSpPr>
+        <p:spPr>
+          <a:xfrm flipV="1">
+            <a:off x="6118463" y="1559826"/>
+            <a:ext cx="1067056" cy="2"/>
+          </a:xfrm>
+          <a:prstGeom prst="straightConnector1">
+            <a:avLst/>
+          </a:prstGeom>
+          <a:ln w="50800">
+            <a:solidFill>
+              <a:schemeClr val="tx1"/>
+            </a:solidFill>
+            <a:tailEnd type="triangle"/>
+          </a:ln>
+        </p:spPr>
+        <p:style>
+          <a:lnRef idx="1">
+            <a:schemeClr val="accent1"/>
+          </a:lnRef>
+          <a:fillRef idx="0">
+            <a:schemeClr val="accent1"/>
+          </a:fillRef>
+          <a:effectRef idx="0">
+            <a:schemeClr val="accent1"/>
+          </a:effectRef>
+          <a:fontRef idx="minor">
+            <a:schemeClr val="tx1"/>
+          </a:fontRef>
+        </p:style>
+      </p:cxnSp>
+      <p:sp>
+        <p:nvSpPr>
+          <p:cNvPr id="2" name="TextBox 1"/>
+          <p:cNvSpPr txBox="1"/>
+          <p:nvPr/>
+        </p:nvSpPr>
+        <p:spPr>
+          <a:xfrm>
+            <a:off x="2483768" y="1167432"/>
+            <a:ext cx="504056" cy="369332"/>
+          </a:xfrm>
+          <a:prstGeom prst="rect">
+            <a:avLst/>
+          </a:prstGeom>
+          <a:noFill/>
+        </p:spPr>
+        <p:txBody>
+          <a:bodyPr wrap="square" rtlCol="0">
+            <a:spAutoFit/>
+          </a:bodyPr>
+          <a:lstStyle/>
+          <a:p>
+            <a:r>
+              <a:rPr lang="de-CH" smtClean="0"/>
+              <a:t>i+s</a:t>
+            </a:r>
+            <a:endParaRPr lang="de-CH"/>
+          </a:p>
+        </p:txBody>
+      </p:sp>
+      <p:sp>
+        <p:nvSpPr>
+          <p:cNvPr id="37" name="TextBox 36"/>
+          <p:cNvSpPr txBox="1"/>
+          <p:nvPr/>
+        </p:nvSpPr>
+        <p:spPr>
+          <a:xfrm>
+            <a:off x="4459205" y="1190496"/>
+            <a:ext cx="692802" cy="369332"/>
+          </a:xfrm>
+          <a:prstGeom prst="rect">
+            <a:avLst/>
+          </a:prstGeom>
+          <a:noFill/>
+        </p:spPr>
+        <p:txBody>
+          <a:bodyPr wrap="square" rtlCol="0">
+            <a:spAutoFit/>
+          </a:bodyPr>
+          <a:lstStyle/>
+          <a:p>
+            <a:r>
+              <a:rPr lang="de-CH" smtClean="0"/>
+              <a:t>i+2s</a:t>
+            </a:r>
+            <a:endParaRPr lang="de-CH"/>
+          </a:p>
+        </p:txBody>
+      </p:sp>
+      <p:sp>
+        <p:nvSpPr>
+          <p:cNvPr id="38" name="TextBox 37"/>
+          <p:cNvSpPr txBox="1"/>
+          <p:nvPr/>
+        </p:nvSpPr>
+        <p:spPr>
+          <a:xfrm>
+            <a:off x="6444208" y="1190496"/>
+            <a:ext cx="576064" cy="369332"/>
+          </a:xfrm>
+          <a:prstGeom prst="rect">
+            <a:avLst/>
+          </a:prstGeom>
+          <a:noFill/>
+        </p:spPr>
+        <p:txBody>
+          <a:bodyPr wrap="square" rtlCol="0">
+            <a:spAutoFit/>
+          </a:bodyPr>
+          <a:lstStyle/>
+          <a:p>
+            <a:r>
+              <a:rPr lang="de-CH" smtClean="0"/>
+              <a:t>i+3s</a:t>
+            </a:r>
+            <a:endParaRPr lang="de-CH"/>
+          </a:p>
+        </p:txBody>
+      </p:sp>
+      <p:pic>
+        <p:nvPicPr>
+          <p:cNvPr id="3" name="Picture 2"/>
+          <p:cNvPicPr>
+            <a:picLocks noChangeAspect="1" noChangeArrowheads="1"/>
+          </p:cNvPicPr>
+          <p:nvPr/>
+        </p:nvPicPr>
+        <p:blipFill>
+          <a:blip r:embed="rId7">
+            <a:extLst>
+              <a:ext uri="{28A0092B-C50C-407E-A947-70E740481C1C}">
+                <a14:useLocalDpi xmlns:a14="http://schemas.microsoft.com/office/drawing/2010/main" val="0"/>
+              </a:ext>
+            </a:extLst>
+          </a:blip>
+          <a:srcRect/>
+          <a:stretch>
+            <a:fillRect/>
+          </a:stretch>
+        </p:blipFill>
+        <p:spPr bwMode="auto">
+          <a:xfrm>
+            <a:off x="1455956" y="3861048"/>
+            <a:ext cx="6263615" cy="2808312"/>
+          </a:xfrm>
+          <a:prstGeom prst="rect">
+            <a:avLst/>
+          </a:prstGeom>
+          <a:noFill/>
+          <a:ln>
+            <a:noFill/>
+          </a:ln>
+          <a:extLst>
+            <a:ext uri="{909E8E84-426E-40DD-AFC4-6F175D3DCCD1}">
+              <a14:hiddenFill xmlns:a14="http://schemas.microsoft.com/office/drawing/2010/main">
+                <a:solidFill>
+                  <a:schemeClr val="accent1"/>
+                </a:solidFill>
+              </a14:hiddenFill>
+            </a:ext>
+            <a:ext uri="{91240B29-F687-4F45-9708-019B960494DF}">
+              <a14:hiddenLine xmlns:a14="http://schemas.microsoft.com/office/drawing/2010/main" w="9525">
+                <a:solidFill>
+                  <a:schemeClr val="tx1"/>
+                </a:solidFill>
+                <a:miter lim="800000"/>
+                <a:headEnd/>
+                <a:tailEnd/>
+              </a14:hiddenLine>
+            </a:ext>
+          </a:extLst>
+        </p:spPr>
+      </p:pic>
+    </p:spTree>
+    <p:extLst>
+      <p:ext uri="{BB962C8B-B14F-4D97-AF65-F5344CB8AC3E}">
+        <p14:creationId xmlns:p14="http://schemas.microsoft.com/office/powerpoint/2010/main" val="3456488844"/>
+      </p:ext>
+    </p:extLst>
+  </p:cSld>
+  <p:clrMapOvr>
+    <a:masterClrMapping/>
+  </p:clrMapOvr>
+</p:sld>
+</file>
+
+<file path=ppt/slides/slide12.xml><?xml version="1.0" encoding="utf-8"?>
+<p:sld xmlns:a="http://schemas.openxmlformats.org/drawingml/2006/main" xmlns:r="http://schemas.openxmlformats.org/officeDocument/2006/relationships" xmlns:p="http://schemas.openxmlformats.org/presentationml/2006/main">
+  <p:cSld>
+    <p:spTree>
+      <p:nvGrpSpPr>
+        <p:cNvPr id="1" name=""/>
+        <p:cNvGrpSpPr/>
+        <p:nvPr/>
+      </p:nvGrpSpPr>
+      <p:grpSpPr>
+        <a:xfrm>
+          <a:off x="0" y="0"/>
+          <a:ext cx="0" cy="0"/>
+          <a:chOff x="0" y="0"/>
+          <a:chExt cx="0" cy="0"/>
+        </a:xfrm>
+      </p:grpSpPr>
+      <p:cxnSp>
+        <p:nvCxnSpPr>
+          <p:cNvPr id="5" name="Straight Connector 4"/>
+          <p:cNvCxnSpPr/>
+          <p:nvPr/>
+        </p:nvCxnSpPr>
+        <p:spPr>
+          <a:xfrm>
+            <a:off x="525020" y="3429000"/>
+            <a:ext cx="7848872" cy="0"/>
+          </a:xfrm>
+          <a:prstGeom prst="line">
+            <a:avLst/>
+          </a:prstGeom>
+          <a:ln w="38100">
+            <a:solidFill>
+              <a:schemeClr val="bg1">
+                <a:lumMod val="65000"/>
+              </a:schemeClr>
+            </a:solidFill>
+            <a:prstDash val="sysDash"/>
+          </a:ln>
+        </p:spPr>
+        <p:style>
+          <a:lnRef idx="1">
+            <a:schemeClr val="accent1"/>
+          </a:lnRef>
+          <a:fillRef idx="0">
+            <a:schemeClr val="accent1"/>
+          </a:fillRef>
+          <a:effectRef idx="0">
+            <a:schemeClr val="accent1"/>
+          </a:effectRef>
+          <a:fontRef idx="minor">
+            <a:schemeClr val="tx1"/>
+          </a:fontRef>
+        </p:style>
+      </p:cxnSp>
+      <p:pic>
+        <p:nvPicPr>
+          <p:cNvPr id="3" name="Picture 2"/>
+          <p:cNvPicPr>
+            <a:picLocks noChangeAspect="1" noChangeArrowheads="1"/>
+          </p:cNvPicPr>
+          <p:nvPr/>
+        </p:nvPicPr>
+        <p:blipFill>
+          <a:blip r:embed="rId2">
+            <a:extLst>
+              <a:ext uri="{28A0092B-C50C-407E-A947-70E740481C1C}">
+                <a14:useLocalDpi xmlns:a14="http://schemas.microsoft.com/office/drawing/2010/main" val="0"/>
+              </a:ext>
+            </a:extLst>
+          </a:blip>
+          <a:srcRect/>
+          <a:stretch>
+            <a:fillRect/>
+          </a:stretch>
+        </p:blipFill>
+        <p:spPr bwMode="auto">
+          <a:xfrm>
+            <a:off x="1455956" y="3861048"/>
+            <a:ext cx="6263615" cy="2808312"/>
+          </a:xfrm>
+          <a:prstGeom prst="rect">
+            <a:avLst/>
+          </a:prstGeom>
+          <a:noFill/>
+          <a:ln>
+            <a:noFill/>
+          </a:ln>
+          <a:extLst>
+            <a:ext uri="{909E8E84-426E-40DD-AFC4-6F175D3DCCD1}">
+              <a14:hiddenFill xmlns:a14="http://schemas.microsoft.com/office/drawing/2010/main">
+                <a:solidFill>
+                  <a:schemeClr val="accent1"/>
+                </a:solidFill>
+              </a14:hiddenFill>
+            </a:ext>
+            <a:ext uri="{91240B29-F687-4F45-9708-019B960494DF}">
+              <a14:hiddenLine xmlns:a14="http://schemas.microsoft.com/office/drawing/2010/main" w="9525">
+                <a:solidFill>
+                  <a:schemeClr val="tx1"/>
+                </a:solidFill>
+                <a:miter lim="800000"/>
+                <a:headEnd/>
+                <a:tailEnd/>
+              </a14:hiddenLine>
+            </a:ext>
+          </a:extLst>
+        </p:spPr>
+      </p:pic>
+      <p:pic>
+        <p:nvPicPr>
+          <p:cNvPr id="2050" name="Picture 2"/>
+          <p:cNvPicPr>
+            <a:picLocks noChangeAspect="1" noChangeArrowheads="1"/>
+          </p:cNvPicPr>
+          <p:nvPr/>
+        </p:nvPicPr>
+        <p:blipFill>
+          <a:blip r:embed="rId3">
+            <a:extLst>
+              <a:ext uri="{28A0092B-C50C-407E-A947-70E740481C1C}">
+                <a14:useLocalDpi xmlns:a14="http://schemas.microsoft.com/office/drawing/2010/main" val="0"/>
+              </a:ext>
+            </a:extLst>
+          </a:blip>
+          <a:srcRect/>
+          <a:stretch>
+            <a:fillRect/>
+          </a:stretch>
+        </p:blipFill>
+        <p:spPr bwMode="auto">
+          <a:xfrm>
+            <a:off x="1373557" y="404664"/>
+            <a:ext cx="6428412" cy="2721021"/>
+          </a:xfrm>
+          <a:prstGeom prst="rect">
+            <a:avLst/>
+          </a:prstGeom>
+          <a:noFill/>
+          <a:ln>
+            <a:noFill/>
+          </a:ln>
+          <a:extLst>
+            <a:ext uri="{909E8E84-426E-40DD-AFC4-6F175D3DCCD1}">
+              <a14:hiddenFill xmlns:a14="http://schemas.microsoft.com/office/drawing/2010/main">
+                <a:solidFill>
+                  <a:schemeClr val="accent1"/>
+                </a:solidFill>
+              </a14:hiddenFill>
+            </a:ext>
+            <a:ext uri="{91240B29-F687-4F45-9708-019B960494DF}">
+              <a14:hiddenLine xmlns:a14="http://schemas.microsoft.com/office/drawing/2010/main" w="9525">
+                <a:solidFill>
+                  <a:schemeClr val="tx1"/>
+                </a:solidFill>
+                <a:miter lim="800000"/>
+                <a:headEnd/>
+                <a:tailEnd/>
+              </a14:hiddenLine>
+            </a:ext>
+          </a:extLst>
+        </p:spPr>
+      </p:pic>
+    </p:spTree>
+    <p:extLst>
+      <p:ext uri="{BB962C8B-B14F-4D97-AF65-F5344CB8AC3E}">
+        <p14:creationId xmlns:p14="http://schemas.microsoft.com/office/powerpoint/2010/main" val="1981910417"/>
+      </p:ext>
+    </p:extLst>
+  </p:cSld>
+  <p:clrMapOvr>
+    <a:masterClrMapping/>
+  </p:clrMapOvr>
+</p:sld>
+</file>
+
+<file path=ppt/slides/slide13.xml><?xml version="1.0" encoding="utf-8"?>
+<p:sld xmlns:a="http://schemas.openxmlformats.org/drawingml/2006/main" xmlns:r="http://schemas.openxmlformats.org/officeDocument/2006/relationships" xmlns:p="http://schemas.openxmlformats.org/presentationml/2006/main">
+  <p:cSld>
+    <p:spTree>
+      <p:nvGrpSpPr>
+        <p:cNvPr id="1" name=""/>
+        <p:cNvGrpSpPr/>
+        <p:nvPr/>
+      </p:nvGrpSpPr>
+      <p:grpSpPr>
+        <a:xfrm>
+          <a:off x="0" y="0"/>
+          <a:ext cx="0" cy="0"/>
+          <a:chOff x="0" y="0"/>
+          <a:chExt cx="0" cy="0"/>
+        </a:xfrm>
+      </p:grpSpPr>
+      <p:cxnSp>
+        <p:nvCxnSpPr>
+          <p:cNvPr id="5" name="Straight Connector 4"/>
+          <p:cNvCxnSpPr/>
+          <p:nvPr/>
+        </p:nvCxnSpPr>
+        <p:spPr>
+          <a:xfrm>
+            <a:off x="525020" y="3429000"/>
+            <a:ext cx="7848872" cy="0"/>
+          </a:xfrm>
+          <a:prstGeom prst="line">
+            <a:avLst/>
+          </a:prstGeom>
+          <a:ln w="38100">
+            <a:solidFill>
+              <a:schemeClr val="bg1">
+                <a:lumMod val="65000"/>
+              </a:schemeClr>
+            </a:solidFill>
+            <a:prstDash val="sysDash"/>
+          </a:ln>
+        </p:spPr>
+        <p:style>
+          <a:lnRef idx="1">
+            <a:schemeClr val="accent1"/>
+          </a:lnRef>
+          <a:fillRef idx="0">
+            <a:schemeClr val="accent1"/>
+          </a:fillRef>
+          <a:effectRef idx="0">
+            <a:schemeClr val="accent1"/>
+          </a:effectRef>
+          <a:fontRef idx="minor">
+            <a:schemeClr val="tx1"/>
+          </a:fontRef>
+        </p:style>
+      </p:cxnSp>
+      <p:pic>
+        <p:nvPicPr>
+          <p:cNvPr id="2050" name="Picture 2"/>
+          <p:cNvPicPr>
+            <a:picLocks noChangeAspect="1" noChangeArrowheads="1"/>
+          </p:cNvPicPr>
+          <p:nvPr/>
+        </p:nvPicPr>
+        <p:blipFill>
+          <a:blip r:embed="rId2">
+            <a:extLst>
+              <a:ext uri="{28A0092B-C50C-407E-A947-70E740481C1C}">
+                <a14:useLocalDpi xmlns:a14="http://schemas.microsoft.com/office/drawing/2010/main" val="0"/>
+              </a:ext>
+            </a:extLst>
+          </a:blip>
+          <a:srcRect/>
+          <a:stretch>
+            <a:fillRect/>
+          </a:stretch>
+        </p:blipFill>
+        <p:spPr bwMode="auto">
+          <a:xfrm>
+            <a:off x="1373557" y="404664"/>
+            <a:ext cx="6428412" cy="2721021"/>
+          </a:xfrm>
+          <a:prstGeom prst="rect">
+            <a:avLst/>
+          </a:prstGeom>
+          <a:noFill/>
+          <a:ln>
+            <a:noFill/>
+          </a:ln>
+          <a:extLst>
+            <a:ext uri="{909E8E84-426E-40DD-AFC4-6F175D3DCCD1}">
+              <a14:hiddenFill xmlns:a14="http://schemas.microsoft.com/office/drawing/2010/main">
+                <a:solidFill>
+                  <a:schemeClr val="accent1"/>
+                </a:solidFill>
+              </a14:hiddenFill>
+            </a:ext>
+            <a:ext uri="{91240B29-F687-4F45-9708-019B960494DF}">
+              <a14:hiddenLine xmlns:a14="http://schemas.microsoft.com/office/drawing/2010/main" w="9525">
+                <a:solidFill>
+                  <a:schemeClr val="tx1"/>
+                </a:solidFill>
+                <a:miter lim="800000"/>
+                <a:headEnd/>
+                <a:tailEnd/>
+              </a14:hiddenLine>
+            </a:ext>
+          </a:extLst>
+        </p:spPr>
+      </p:pic>
+      <p:pic>
+        <p:nvPicPr>
+          <p:cNvPr id="3074" name="Picture 2"/>
+          <p:cNvPicPr>
+            <a:picLocks noChangeAspect="1" noChangeArrowheads="1"/>
+          </p:cNvPicPr>
+          <p:nvPr/>
+        </p:nvPicPr>
+        <p:blipFill>
+          <a:blip r:embed="rId3">
+            <a:extLst>
+              <a:ext uri="{28A0092B-C50C-407E-A947-70E740481C1C}">
+                <a14:useLocalDpi xmlns:a14="http://schemas.microsoft.com/office/drawing/2010/main" val="0"/>
+              </a:ext>
+            </a:extLst>
+          </a:blip>
+          <a:srcRect/>
+          <a:stretch>
+            <a:fillRect/>
+          </a:stretch>
+        </p:blipFill>
+        <p:spPr bwMode="auto">
+          <a:xfrm>
+            <a:off x="1167383" y="3710368"/>
+            <a:ext cx="6840760" cy="2943537"/>
+          </a:xfrm>
+          <a:prstGeom prst="rect">
+            <a:avLst/>
+          </a:prstGeom>
+          <a:noFill/>
+          <a:ln>
+            <a:noFill/>
+          </a:ln>
+          <a:extLst>
+            <a:ext uri="{909E8E84-426E-40DD-AFC4-6F175D3DCCD1}">
+              <a14:hiddenFill xmlns:a14="http://schemas.microsoft.com/office/drawing/2010/main">
+                <a:solidFill>
+                  <a:schemeClr val="accent1"/>
+                </a:solidFill>
+              </a14:hiddenFill>
+            </a:ext>
+            <a:ext uri="{91240B29-F687-4F45-9708-019B960494DF}">
+              <a14:hiddenLine xmlns:a14="http://schemas.microsoft.com/office/drawing/2010/main" w="9525">
+                <a:solidFill>
+                  <a:schemeClr val="tx1"/>
+                </a:solidFill>
+                <a:miter lim="800000"/>
+                <a:headEnd/>
+                <a:tailEnd/>
+              </a14:hiddenLine>
+            </a:ext>
+          </a:extLst>
+        </p:spPr>
+      </p:pic>
+    </p:spTree>
+    <p:extLst>
+      <p:ext uri="{BB962C8B-B14F-4D97-AF65-F5344CB8AC3E}">
+        <p14:creationId xmlns:p14="http://schemas.microsoft.com/office/powerpoint/2010/main" val="497905372"/>
+      </p:ext>
+    </p:extLst>
+  </p:cSld>
+  <p:clrMapOvr>
+    <a:masterClrMapping/>
+  </p:clrMapOvr>
+</p:sld>
+</file>
+
+<file path=ppt/slides/slide14.xml><?xml version="1.0" encoding="utf-8"?>
 <p:sld xmlns:a="http://schemas.openxmlformats.org/drawingml/2006/main" xmlns:r="http://schemas.openxmlformats.org/officeDocument/2006/relationships" xmlns:p="http://schemas.openxmlformats.org/presentationml/2006/main">
   <p:cSld>
     <p:spTree>
